--- a/롭티알_진행.pptx
+++ b/롭티알_진행.pptx
@@ -237,7 +237,7 @@
           <a:p>
             <a:fld id="{09B76076-15DE-4B7E-A82A-F48BDC23270C}" type="datetimeFigureOut">
               <a:rPr lang="ko-KR" altLang="en-US" smtClean="0"/>
-              <a:t>2021-04-02</a:t>
+              <a:t>2021-04-04</a:t>
             </a:fld>
             <a:endParaRPr lang="ko-KR" altLang="en-US" dirty="0"/>
           </a:p>
@@ -414,7 +414,7 @@
           <a:p>
             <a:fld id="{7D967916-D498-430A-BC28-8D3F4DCC62EC}" type="datetimeFigureOut">
               <a:rPr lang="ko-KR" altLang="en-US" smtClean="0"/>
-              <a:t>2021-04-02</a:t>
+              <a:t>2021-04-04</a:t>
             </a:fld>
             <a:endParaRPr lang="ko-KR" altLang="en-US" dirty="0"/>
           </a:p>
@@ -5126,12 +5126,71 @@
           <a:chExt cx="0" cy="0"/>
         </a:xfrm>
       </p:grpSpPr>
+      <p:sp>
+        <p:nvSpPr>
+          <p:cNvPr id="45" name="직사각형 44">
+            <a:extLst>
+              <a:ext uri="{FF2B5EF4-FFF2-40B4-BE49-F238E27FC236}">
+                <a16:creationId xmlns:a16="http://schemas.microsoft.com/office/drawing/2014/main" id="{DC745496-F6C0-4AB5-92F7-709F595F5840}"/>
+              </a:ext>
+            </a:extLst>
+          </p:cNvPr>
+          <p:cNvSpPr/>
+          <p:nvPr userDrawn="1"/>
+        </p:nvSpPr>
+        <p:spPr>
+          <a:xfrm>
+            <a:off x="0" y="5894531"/>
+            <a:ext cx="12192000" cy="973352"/>
+          </a:xfrm>
+          <a:prstGeom prst="rect">
+            <a:avLst/>
+          </a:prstGeom>
+          <a:solidFill>
+            <a:schemeClr val="tx1">
+              <a:lumMod val="85000"/>
+              <a:lumOff val="15000"/>
+            </a:schemeClr>
+          </a:solidFill>
+          <a:ln>
+            <a:noFill/>
+          </a:ln>
+        </p:spPr>
+        <p:style>
+          <a:lnRef idx="2">
+            <a:schemeClr val="accent1">
+              <a:shade val="50000"/>
+            </a:schemeClr>
+          </a:lnRef>
+          <a:fillRef idx="1">
+            <a:schemeClr val="accent1"/>
+          </a:fillRef>
+          <a:effectRef idx="0">
+            <a:schemeClr val="accent1"/>
+          </a:effectRef>
+          <a:fontRef idx="minor">
+            <a:schemeClr val="lt1"/>
+          </a:fontRef>
+        </p:style>
+        <p:txBody>
+          <a:bodyPr rtlCol="0" anchor="ctr"/>
+          <a:lstStyle/>
+          <a:p>
+            <a:pPr algn="ctr"/>
+            <a:endParaRPr lang="en-US" altLang="ko-KR" sz="2800" b="1" dirty="0">
+              <a:solidFill>
+                <a:schemeClr val="bg1"/>
+              </a:solidFill>
+            </a:endParaRPr>
+          </a:p>
+        </p:txBody>
+      </p:sp>
       <p:cxnSp>
         <p:nvCxnSpPr>
-          <p:cNvPr id="6" name="직선 연결선 5">
-            <a:extLst>
-              <a:ext uri="{FF2B5EF4-FFF2-40B4-BE49-F238E27FC236}">
-                <a16:creationId xmlns:a16="http://schemas.microsoft.com/office/drawing/2014/main" id="{0E9FCE3A-CC77-4CD2-B05E-089B9C51C5A0}"/>
+          <p:cNvPr id="46" name="직선 연결선 45">
+            <a:extLst>
+              <a:ext uri="{FF2B5EF4-FFF2-40B4-BE49-F238E27FC236}">
+                <a16:creationId xmlns:a16="http://schemas.microsoft.com/office/drawing/2014/main" id="{59198594-E105-4709-9D43-55C404D99A31}"/>
               </a:ext>
             </a:extLst>
           </p:cNvPr>
@@ -5174,10 +5233,10 @@
       </p:cxnSp>
       <p:sp>
         <p:nvSpPr>
-          <p:cNvPr id="7" name="TextBox 6">
-            <a:extLst>
-              <a:ext uri="{FF2B5EF4-FFF2-40B4-BE49-F238E27FC236}">
-                <a16:creationId xmlns:a16="http://schemas.microsoft.com/office/drawing/2014/main" id="{2F8830FD-0D01-47FA-9DE1-0ABF3C324478}"/>
+          <p:cNvPr id="47" name="TextBox 46">
+            <a:extLst>
+              <a:ext uri="{FF2B5EF4-FFF2-40B4-BE49-F238E27FC236}">
+                <a16:creationId xmlns:a16="http://schemas.microsoft.com/office/drawing/2014/main" id="{FC4FCBE7-1F50-41B7-BAC1-EEACF596C48A}"/>
               </a:ext>
             </a:extLst>
           </p:cNvPr>
@@ -5186,7 +5245,7 @@
         </p:nvSpPr>
         <p:spPr>
           <a:xfrm>
-            <a:off x="6280085" y="3801283"/>
+            <a:off x="6280085" y="3452714"/>
             <a:ext cx="5746164" cy="369332"/>
           </a:xfrm>
           <a:prstGeom prst="rect">
@@ -5223,10 +5282,53 @@
       </p:sp>
       <p:sp>
         <p:nvSpPr>
-          <p:cNvPr id="9" name="TextBox 8">
-            <a:extLst>
-              <a:ext uri="{FF2B5EF4-FFF2-40B4-BE49-F238E27FC236}">
-                <a16:creationId xmlns:a16="http://schemas.microsoft.com/office/drawing/2014/main" id="{AF66C587-221F-4268-93AF-B1E83F68C0E1}"/>
+          <p:cNvPr id="48" name="제목 3">
+            <a:extLst>
+              <a:ext uri="{FF2B5EF4-FFF2-40B4-BE49-F238E27FC236}">
+                <a16:creationId xmlns:a16="http://schemas.microsoft.com/office/drawing/2014/main" id="{EFBB4C25-8C16-4036-A4C4-50DC1F65594A}"/>
+              </a:ext>
+            </a:extLst>
+          </p:cNvPr>
+          <p:cNvSpPr>
+            <a:spLocks noGrp="1"/>
+          </p:cNvSpPr>
+          <p:nvPr>
+            <p:ph type="title"/>
+          </p:nvPr>
+        </p:nvSpPr>
+        <p:spPr>
+          <a:xfrm>
+            <a:off x="1639397" y="179000"/>
+            <a:ext cx="3313164" cy="745280"/>
+          </a:xfrm>
+        </p:spPr>
+        <p:txBody>
+          <a:bodyPr vert="horz" lIns="91440" tIns="45720" rIns="91440" bIns="45720" rtlCol="0" anchor="ctr">
+            <a:normAutofit/>
+          </a:bodyPr>
+          <a:lstStyle/>
+          <a:p>
+            <a:pPr algn="ctr" latinLnBrk="0"/>
+            <a:r>
+              <a:rPr lang="ko-KR" altLang="en-US" sz="3600" b="1" dirty="0">
+                <a:solidFill>
+                  <a:schemeClr val="tx1">
+                    <a:lumMod val="85000"/>
+                    <a:lumOff val="15000"/>
+                  </a:schemeClr>
+                </a:solidFill>
+              </a:rPr>
+              <a:t>플레이어</a:t>
+            </a:r>
+          </a:p>
+        </p:txBody>
+      </p:sp>
+      <p:sp>
+        <p:nvSpPr>
+          <p:cNvPr id="49" name="TextBox 48">
+            <a:extLst>
+              <a:ext uri="{FF2B5EF4-FFF2-40B4-BE49-F238E27FC236}">
+                <a16:creationId xmlns:a16="http://schemas.microsoft.com/office/drawing/2014/main" id="{A7310DA2-22E3-440A-909A-01F188319E00}"/>
               </a:ext>
             </a:extLst>
           </p:cNvPr>
@@ -5355,10 +5457,10 @@
       </p:sp>
       <p:grpSp>
         <p:nvGrpSpPr>
-          <p:cNvPr id="10" name="그룹 9">
-            <a:extLst>
-              <a:ext uri="{FF2B5EF4-FFF2-40B4-BE49-F238E27FC236}">
-                <a16:creationId xmlns:a16="http://schemas.microsoft.com/office/drawing/2014/main" id="{7E69C345-4211-4009-8C98-90B93B8F9F8B}"/>
+          <p:cNvPr id="50" name="그룹 49">
+            <a:extLst>
+              <a:ext uri="{FF2B5EF4-FFF2-40B4-BE49-F238E27FC236}">
+                <a16:creationId xmlns:a16="http://schemas.microsoft.com/office/drawing/2014/main" id="{7AC7E89B-85D1-45E4-A943-CE0988376E7A}"/>
               </a:ext>
             </a:extLst>
           </p:cNvPr>
@@ -5375,10 +5477,10 @@
         </p:grpSpPr>
         <p:cxnSp>
           <p:nvCxnSpPr>
-            <p:cNvPr id="11" name="직선 연결선 10">
+            <p:cNvPr id="51" name="직선 연결선 50">
               <a:extLst>
                 <a:ext uri="{FF2B5EF4-FFF2-40B4-BE49-F238E27FC236}">
-                  <a16:creationId xmlns:a16="http://schemas.microsoft.com/office/drawing/2014/main" id="{5301BFDF-BF3F-4F60-A43A-BEFF3C92C442}"/>
+                  <a16:creationId xmlns:a16="http://schemas.microsoft.com/office/drawing/2014/main" id="{DBDE3B89-D196-4571-A51A-AAB7F302B481}"/>
                 </a:ext>
               </a:extLst>
             </p:cNvPr>
@@ -5421,10 +5523,10 @@
         </p:cxnSp>
         <p:sp>
           <p:nvSpPr>
-            <p:cNvPr id="12" name="제목 3">
+            <p:cNvPr id="52" name="제목 3">
               <a:extLst>
                 <a:ext uri="{FF2B5EF4-FFF2-40B4-BE49-F238E27FC236}">
-                  <a16:creationId xmlns:a16="http://schemas.microsoft.com/office/drawing/2014/main" id="{03FA2042-8621-4CFD-89D4-23F74E74F700}"/>
+                  <a16:creationId xmlns:a16="http://schemas.microsoft.com/office/drawing/2014/main" id="{C9245F7E-7DC6-4274-B5F2-CFE754FFECA3}"/>
                 </a:ext>
               </a:extLst>
             </p:cNvPr>
@@ -5484,10 +5586,10 @@
       </p:grpSp>
       <p:grpSp>
         <p:nvGrpSpPr>
-          <p:cNvPr id="13" name="그룹 12">
-            <a:extLst>
-              <a:ext uri="{FF2B5EF4-FFF2-40B4-BE49-F238E27FC236}">
-                <a16:creationId xmlns:a16="http://schemas.microsoft.com/office/drawing/2014/main" id="{9F3D2EED-4720-4567-B750-FF5BA8BB17FA}"/>
+          <p:cNvPr id="53" name="그룹 52">
+            <a:extLst>
+              <a:ext uri="{FF2B5EF4-FFF2-40B4-BE49-F238E27FC236}">
+                <a16:creationId xmlns:a16="http://schemas.microsoft.com/office/drawing/2014/main" id="{A13EA621-C743-4EB4-B78E-B5D3A96B047B}"/>
               </a:ext>
             </a:extLst>
           </p:cNvPr>
@@ -5496,7 +5598,7 @@
         </p:nvGrpSpPr>
         <p:grpSpPr>
           <a:xfrm>
-            <a:off x="7271791" y="3148828"/>
+            <a:off x="7271791" y="2800259"/>
             <a:ext cx="3762752" cy="782168"/>
             <a:chOff x="3915225" y="907360"/>
             <a:chExt cx="3762752" cy="782168"/>
@@ -5504,10 +5606,10 @@
         </p:grpSpPr>
         <p:cxnSp>
           <p:nvCxnSpPr>
-            <p:cNvPr id="14" name="직선 연결선 13">
+            <p:cNvPr id="54" name="직선 연결선 53">
               <a:extLst>
                 <a:ext uri="{FF2B5EF4-FFF2-40B4-BE49-F238E27FC236}">
-                  <a16:creationId xmlns:a16="http://schemas.microsoft.com/office/drawing/2014/main" id="{36DAE8A0-1794-487D-9529-78F14B5679BA}"/>
+                  <a16:creationId xmlns:a16="http://schemas.microsoft.com/office/drawing/2014/main" id="{4D874C9F-C5E8-49CC-8A60-7C452EF7D213}"/>
                 </a:ext>
               </a:extLst>
             </p:cNvPr>
@@ -5550,10 +5652,10 @@
         </p:cxnSp>
         <p:sp>
           <p:nvSpPr>
-            <p:cNvPr id="15" name="제목 3">
+            <p:cNvPr id="55" name="제목 3">
               <a:extLst>
                 <a:ext uri="{FF2B5EF4-FFF2-40B4-BE49-F238E27FC236}">
-                  <a16:creationId xmlns:a16="http://schemas.microsoft.com/office/drawing/2014/main" id="{3D80AE84-58FA-4E7D-BCE8-0B69BBDA6A28}"/>
+                  <a16:creationId xmlns:a16="http://schemas.microsoft.com/office/drawing/2014/main" id="{0A9CE90C-CECB-431F-8F91-175B0A91B045}"/>
                 </a:ext>
               </a:extLst>
             </p:cNvPr>
@@ -5613,10 +5715,10 @@
       </p:grpSp>
       <p:sp>
         <p:nvSpPr>
-          <p:cNvPr id="16" name="TextBox 15">
-            <a:extLst>
-              <a:ext uri="{FF2B5EF4-FFF2-40B4-BE49-F238E27FC236}">
-                <a16:creationId xmlns:a16="http://schemas.microsoft.com/office/drawing/2014/main" id="{CC13C0ED-2528-4764-A924-851BDF3CDC8E}"/>
+          <p:cNvPr id="56" name="TextBox 55">
+            <a:extLst>
+              <a:ext uri="{FF2B5EF4-FFF2-40B4-BE49-F238E27FC236}">
+                <a16:creationId xmlns:a16="http://schemas.microsoft.com/office/drawing/2014/main" id="{F0E7B170-2462-40D8-885D-B37D7195F144}"/>
               </a:ext>
             </a:extLst>
           </p:cNvPr>
@@ -5626,7 +5728,7 @@
         <p:spPr>
           <a:xfrm>
             <a:off x="456607" y="1666459"/>
-            <a:ext cx="5768481" cy="4832092"/>
+            <a:ext cx="5768481" cy="3877985"/>
           </a:xfrm>
           <a:prstGeom prst="rect">
             <a:avLst/>
@@ -5664,7 +5766,7 @@
               <a:buChar char="•"/>
             </a:pPr>
             <a:r>
-              <a:rPr lang="ko-KR" altLang="en-US" b="1" dirty="0">
+              <a:rPr lang="ko-KR" altLang="en-US" sz="1600" b="1" dirty="0">
                 <a:solidFill>
                   <a:srgbClr val="002060"/>
                 </a:solidFill>
@@ -5672,7 +5774,7 @@
               <a:t>교전</a:t>
             </a:r>
             <a:r>
-              <a:rPr lang="ko-KR" altLang="en-US" dirty="0">
+              <a:rPr lang="ko-KR" altLang="en-US" sz="1600" dirty="0">
                 <a:solidFill>
                   <a:schemeClr val="tx1">
                     <a:lumMod val="85000"/>
@@ -5682,7 +5784,7 @@
               <a:t> </a:t>
             </a:r>
             <a:r>
-              <a:rPr lang="en-US" altLang="ko-KR" dirty="0">
+              <a:rPr lang="en-US" altLang="ko-KR" sz="1600" dirty="0">
                 <a:solidFill>
                   <a:schemeClr val="tx1">
                     <a:lumMod val="85000"/>
@@ -5692,7 +5794,7 @@
               <a:t>– </a:t>
             </a:r>
             <a:r>
-              <a:rPr lang="ko-KR" altLang="en-US" dirty="0">
+              <a:rPr lang="ko-KR" altLang="en-US" sz="1600" dirty="0">
                 <a:solidFill>
                   <a:schemeClr val="tx1">
                     <a:lumMod val="85000"/>
@@ -5702,7 +5804,7 @@
               <a:t>적에게 </a:t>
             </a:r>
             <a:r>
-              <a:rPr lang="ko-KR" altLang="en-US" b="1" dirty="0">
+              <a:rPr lang="ko-KR" altLang="en-US" sz="1600" b="1" dirty="0">
                 <a:solidFill>
                   <a:srgbClr val="002060"/>
                 </a:solidFill>
@@ -5710,7 +5812,7 @@
               <a:t>합</a:t>
             </a:r>
             <a:r>
-              <a:rPr lang="ko-KR" altLang="en-US" dirty="0">
+              <a:rPr lang="ko-KR" altLang="en-US" sz="1600" dirty="0">
                 <a:solidFill>
                   <a:schemeClr val="tx1">
                     <a:lumMod val="85000"/>
@@ -5720,7 +5822,7 @@
               <a:t>이나 </a:t>
             </a:r>
             <a:r>
-              <a:rPr lang="ko-KR" altLang="en-US" b="1" dirty="0">
+              <a:rPr lang="ko-KR" altLang="en-US" sz="1600" b="1" dirty="0">
                 <a:solidFill>
                   <a:srgbClr val="002060"/>
                 </a:solidFill>
@@ -5728,7 +5830,7 @@
               <a:t>일방공격</a:t>
             </a:r>
             <a:r>
-              <a:rPr lang="en-US" altLang="ko-KR" dirty="0">
+              <a:rPr lang="en-US" altLang="ko-KR" sz="1600" dirty="0">
                 <a:solidFill>
                   <a:schemeClr val="tx1">
                     <a:lumMod val="85000"/>
@@ -5744,7 +5846,7 @@
               <a:buChar char="•"/>
             </a:pPr>
             <a:r>
-              <a:rPr lang="ko-KR" altLang="en-US" b="1" dirty="0">
+              <a:rPr lang="ko-KR" altLang="en-US" sz="1600" b="1" dirty="0">
                 <a:solidFill>
                   <a:srgbClr val="002060"/>
                 </a:solidFill>
@@ -5752,7 +5854,7 @@
               <a:t>행동</a:t>
             </a:r>
             <a:r>
-              <a:rPr lang="ko-KR" altLang="en-US" dirty="0">
+              <a:rPr lang="ko-KR" altLang="en-US" sz="1600" dirty="0">
                 <a:solidFill>
                   <a:schemeClr val="tx1">
                     <a:lumMod val="85000"/>
@@ -5762,7 +5864,7 @@
               <a:t> </a:t>
             </a:r>
             <a:r>
-              <a:rPr lang="en-US" altLang="ko-KR" dirty="0">
+              <a:rPr lang="en-US" altLang="ko-KR" sz="1600" dirty="0">
                 <a:solidFill>
                   <a:schemeClr val="tx1">
                     <a:lumMod val="85000"/>
@@ -5772,7 +5874,7 @@
               <a:t>- </a:t>
             </a:r>
             <a:r>
-              <a:rPr lang="ko-KR" altLang="en-US" dirty="0">
+              <a:rPr lang="ko-KR" altLang="en-US" sz="1600" dirty="0">
                 <a:solidFill>
                   <a:schemeClr val="tx1">
                     <a:lumMod val="85000"/>
@@ -5782,7 +5884,7 @@
               <a:t>대충 한 </a:t>
             </a:r>
             <a:r>
-              <a:rPr lang="ko-KR" altLang="en-US" b="1" dirty="0">
+              <a:rPr lang="ko-KR" altLang="en-US" sz="1600" b="1" dirty="0">
                 <a:solidFill>
                   <a:srgbClr val="002060"/>
                 </a:solidFill>
@@ -5790,7 +5892,7 @@
               <a:t>턴</a:t>
             </a:r>
             <a:r>
-              <a:rPr lang="ko-KR" altLang="en-US" dirty="0">
+              <a:rPr lang="ko-KR" altLang="en-US" sz="1600" dirty="0">
                 <a:solidFill>
                   <a:schemeClr val="tx1">
                     <a:lumMod val="85000"/>
@@ -5800,7 +5902,7 @@
               <a:t> 동안 할 수 있는 행동을 함</a:t>
             </a:r>
             <a:r>
-              <a:rPr lang="en-US" altLang="ko-KR" dirty="0">
+              <a:rPr lang="en-US" altLang="ko-KR" sz="1600" dirty="0">
                 <a:solidFill>
                   <a:schemeClr val="tx1">
                     <a:lumMod val="85000"/>
@@ -5816,7 +5918,7 @@
               <a:buChar char="•"/>
             </a:pPr>
             <a:r>
-              <a:rPr lang="ko-KR" altLang="en-US" b="1" dirty="0">
+              <a:rPr lang="ko-KR" altLang="en-US" sz="1600" b="1" dirty="0">
                 <a:solidFill>
                   <a:srgbClr val="002060"/>
                 </a:solidFill>
@@ -5824,7 +5926,7 @@
               <a:t>이동</a:t>
             </a:r>
             <a:r>
-              <a:rPr lang="ko-KR" altLang="en-US" dirty="0">
+              <a:rPr lang="ko-KR" altLang="en-US" sz="1600" dirty="0">
                 <a:solidFill>
                   <a:schemeClr val="tx1">
                     <a:lumMod val="85000"/>
@@ -5834,7 +5936,7 @@
               <a:t> </a:t>
             </a:r>
             <a:r>
-              <a:rPr lang="en-US" altLang="ko-KR" dirty="0">
+              <a:rPr lang="en-US" altLang="ko-KR" sz="1600" dirty="0">
                 <a:solidFill>
                   <a:schemeClr val="tx1">
                     <a:lumMod val="85000"/>
@@ -5844,7 +5946,7 @@
               <a:t>- </a:t>
             </a:r>
             <a:r>
-              <a:rPr lang="ko-KR" altLang="en-US" dirty="0">
+              <a:rPr lang="ko-KR" altLang="en-US" sz="1600" dirty="0">
                 <a:solidFill>
                   <a:schemeClr val="tx1">
                     <a:lumMod val="85000"/>
@@ -5854,7 +5956,7 @@
               <a:t>충분히 가까운 거리로 이동</a:t>
             </a:r>
             <a:r>
-              <a:rPr lang="en-US" altLang="ko-KR" dirty="0">
+              <a:rPr lang="en-US" altLang="ko-KR" sz="1600" dirty="0">
                 <a:solidFill>
                   <a:schemeClr val="tx1">
                     <a:lumMod val="85000"/>
@@ -5870,7 +5972,7 @@
               <a:buChar char="•"/>
             </a:pPr>
             <a:r>
-              <a:rPr lang="ko-KR" altLang="en-US" b="1" dirty="0">
+              <a:rPr lang="ko-KR" altLang="en-US" sz="1600" b="1" dirty="0">
                 <a:solidFill>
                   <a:srgbClr val="002060"/>
                 </a:solidFill>
@@ -5878,7 +5980,7 @@
               <a:t>보호</a:t>
             </a:r>
             <a:r>
-              <a:rPr lang="ko-KR" altLang="en-US" dirty="0">
+              <a:rPr lang="ko-KR" altLang="en-US" sz="1600" dirty="0">
                 <a:solidFill>
                   <a:schemeClr val="tx1">
                     <a:lumMod val="85000"/>
@@ -5888,7 +5990,7 @@
               <a:t> </a:t>
             </a:r>
             <a:r>
-              <a:rPr lang="en-US" altLang="ko-KR" dirty="0">
+              <a:rPr lang="en-US" altLang="ko-KR" sz="1600" dirty="0">
                 <a:solidFill>
                   <a:schemeClr val="tx1">
                     <a:lumMod val="85000"/>
@@ -5898,7 +6000,7 @@
               <a:t>– </a:t>
             </a:r>
             <a:r>
-              <a:rPr lang="ko-KR" altLang="en-US" b="1" dirty="0">
+              <a:rPr lang="ko-KR" altLang="en-US" sz="1600" b="1" dirty="0">
                 <a:solidFill>
                   <a:srgbClr val="002060"/>
                 </a:solidFill>
@@ -5906,7 +6008,7 @@
               <a:t>액션</a:t>
             </a:r>
             <a:r>
-              <a:rPr lang="ko-KR" altLang="en-US" dirty="0">
+              <a:rPr lang="ko-KR" altLang="en-US" sz="1600" dirty="0">
                 <a:solidFill>
                   <a:schemeClr val="tx1">
                     <a:lumMod val="85000"/>
@@ -5916,7 +6018,7 @@
               <a:t>의 대상을 자신으로 바꾸게 함</a:t>
             </a:r>
             <a:r>
-              <a:rPr lang="en-US" altLang="ko-KR" dirty="0">
+              <a:rPr lang="en-US" altLang="ko-KR" sz="1600" dirty="0">
                 <a:solidFill>
                   <a:schemeClr val="tx1">
                     <a:lumMod val="85000"/>
@@ -5931,6 +6033,425 @@
               <a:buFont typeface="Arial" panose="020B0604020202020204" pitchFamily="34" charset="0"/>
               <a:buChar char="•"/>
             </a:pPr>
+            <a:endParaRPr lang="en-US" altLang="ko-KR" sz="1600" dirty="0">
+              <a:solidFill>
+                <a:schemeClr val="tx1">
+                  <a:lumMod val="85000"/>
+                </a:schemeClr>
+              </a:solidFill>
+            </a:endParaRPr>
+          </a:p>
+          <a:p>
+            <a:pPr algn="ctr"/>
+            <a:r>
+              <a:rPr lang="ko-KR" altLang="en-US" sz="1600" b="1" dirty="0" err="1">
+                <a:solidFill>
+                  <a:schemeClr val="tx1">
+                    <a:lumMod val="85000"/>
+                  </a:schemeClr>
+                </a:solidFill>
+              </a:rPr>
+              <a:t>리액션</a:t>
+            </a:r>
+            <a:endParaRPr lang="en-US" altLang="ko-KR" sz="1600" b="1" dirty="0">
+              <a:solidFill>
+                <a:schemeClr val="tx1">
+                  <a:lumMod val="85000"/>
+                </a:schemeClr>
+              </a:solidFill>
+            </a:endParaRPr>
+          </a:p>
+          <a:p>
+            <a:pPr algn="ctr"/>
+            <a:r>
+              <a:rPr lang="ko-KR" altLang="en-US" sz="1600" b="1" dirty="0">
+                <a:solidFill>
+                  <a:srgbClr val="002060"/>
+                </a:solidFill>
+              </a:rPr>
+              <a:t>액션</a:t>
+            </a:r>
+            <a:r>
+              <a:rPr lang="ko-KR" altLang="en-US" sz="1600" dirty="0">
+                <a:solidFill>
+                  <a:schemeClr val="tx1">
+                    <a:lumMod val="85000"/>
+                  </a:schemeClr>
+                </a:solidFill>
+              </a:rPr>
+              <a:t>과 동일하지만 </a:t>
+            </a:r>
+            <a:r>
+              <a:rPr lang="ko-KR" altLang="en-US" sz="1600" b="1" dirty="0">
+                <a:solidFill>
+                  <a:srgbClr val="002060"/>
+                </a:solidFill>
+              </a:rPr>
+              <a:t>보호</a:t>
+            </a:r>
+            <a:r>
+              <a:rPr lang="ko-KR" altLang="en-US" sz="1600" dirty="0">
+                <a:solidFill>
+                  <a:schemeClr val="tx1">
+                    <a:lumMod val="85000"/>
+                  </a:schemeClr>
+                </a:solidFill>
+              </a:rPr>
+              <a:t>는 못 함</a:t>
+            </a:r>
+            <a:r>
+              <a:rPr lang="en-US" altLang="ko-KR" sz="1600" dirty="0">
+                <a:solidFill>
+                  <a:schemeClr val="tx1">
+                    <a:lumMod val="85000"/>
+                  </a:schemeClr>
+                </a:solidFill>
+              </a:rPr>
+              <a:t>.</a:t>
+            </a:r>
+            <a:br>
+              <a:rPr lang="en-US" altLang="ko-KR" sz="1600" dirty="0">
+                <a:solidFill>
+                  <a:schemeClr val="tx1">
+                    <a:lumMod val="85000"/>
+                  </a:schemeClr>
+                </a:solidFill>
+              </a:rPr>
+            </a:br>
+            <a:r>
+              <a:rPr lang="ko-KR" altLang="en-US" sz="1600" b="1" dirty="0">
+                <a:solidFill>
+                  <a:srgbClr val="002060"/>
+                </a:solidFill>
+              </a:rPr>
+              <a:t>라운드</a:t>
+            </a:r>
+            <a:r>
+              <a:rPr lang="ko-KR" altLang="en-US" sz="1600" b="1" dirty="0">
+                <a:solidFill>
+                  <a:schemeClr val="tx1">
+                    <a:lumMod val="85000"/>
+                  </a:schemeClr>
+                </a:solidFill>
+              </a:rPr>
+              <a:t> 당 두 번까지</a:t>
+            </a:r>
+            <a:r>
+              <a:rPr lang="en-US" altLang="ko-KR" sz="1600" b="1" dirty="0">
+                <a:solidFill>
+                  <a:schemeClr val="tx1">
+                    <a:lumMod val="85000"/>
+                  </a:schemeClr>
+                </a:solidFill>
+              </a:rPr>
+              <a:t>, </a:t>
+            </a:r>
+            <a:r>
+              <a:rPr lang="ko-KR" altLang="en-US" sz="1600" b="1" dirty="0">
+                <a:solidFill>
+                  <a:schemeClr val="tx1">
+                    <a:lumMod val="85000"/>
+                  </a:schemeClr>
+                </a:solidFill>
+              </a:rPr>
+              <a:t>두 번째는 불리함으로 판정</a:t>
+            </a:r>
+            <a:r>
+              <a:rPr lang="en-US" altLang="ko-KR" sz="1600" b="1" dirty="0">
+                <a:solidFill>
+                  <a:schemeClr val="tx1">
+                    <a:lumMod val="85000"/>
+                  </a:schemeClr>
+                </a:solidFill>
+              </a:rPr>
+              <a:t>.</a:t>
+            </a:r>
+          </a:p>
+          <a:p>
+            <a:pPr algn="ctr"/>
+            <a:endParaRPr lang="en-US" altLang="ko-KR" sz="1600" dirty="0">
+              <a:solidFill>
+                <a:schemeClr val="tx1">
+                  <a:lumMod val="85000"/>
+                </a:schemeClr>
+              </a:solidFill>
+            </a:endParaRPr>
+          </a:p>
+          <a:p>
+            <a:pPr algn="ctr"/>
+            <a:r>
+              <a:rPr lang="ko-KR" altLang="en-US" sz="1600" b="1" dirty="0">
+                <a:solidFill>
+                  <a:schemeClr val="tx1">
+                    <a:lumMod val="85000"/>
+                  </a:schemeClr>
+                </a:solidFill>
+              </a:rPr>
+              <a:t>교전</a:t>
+            </a:r>
+            <a:endParaRPr lang="en-US" altLang="ko-KR" sz="1600" b="1" dirty="0">
+              <a:solidFill>
+                <a:schemeClr val="tx1">
+                  <a:lumMod val="85000"/>
+                </a:schemeClr>
+              </a:solidFill>
+            </a:endParaRPr>
+          </a:p>
+          <a:p>
+            <a:pPr marL="285750" indent="-285750">
+              <a:buFont typeface="Arial" panose="020B0604020202020204" pitchFamily="34" charset="0"/>
+              <a:buChar char="•"/>
+            </a:pPr>
+            <a:r>
+              <a:rPr lang="ko-KR" altLang="en-US" sz="1600" b="1" dirty="0">
+                <a:solidFill>
+                  <a:srgbClr val="002060"/>
+                </a:solidFill>
+              </a:rPr>
+              <a:t>공격</a:t>
+            </a:r>
+            <a:r>
+              <a:rPr lang="ko-KR" altLang="en-US" sz="1600" dirty="0">
+                <a:solidFill>
+                  <a:schemeClr val="tx1">
+                    <a:lumMod val="85000"/>
+                  </a:schemeClr>
+                </a:solidFill>
+              </a:rPr>
+              <a:t> </a:t>
+            </a:r>
+            <a:r>
+              <a:rPr lang="en-US" altLang="ko-KR" sz="1600" dirty="0">
+                <a:solidFill>
+                  <a:schemeClr val="tx1">
+                    <a:lumMod val="85000"/>
+                  </a:schemeClr>
+                </a:solidFill>
+              </a:rPr>
+              <a:t>- </a:t>
+            </a:r>
+            <a:r>
+              <a:rPr lang="ko-KR" altLang="en-US" sz="1600" dirty="0">
+                <a:solidFill>
+                  <a:schemeClr val="tx1">
+                    <a:lumMod val="85000"/>
+                  </a:schemeClr>
+                </a:solidFill>
+              </a:rPr>
+              <a:t>상대에게 공격 판정을 하여 피해를 줌</a:t>
+            </a:r>
+            <a:r>
+              <a:rPr lang="en-US" altLang="ko-KR" sz="1600" dirty="0">
+                <a:solidFill>
+                  <a:schemeClr val="tx1">
+                    <a:lumMod val="85000"/>
+                  </a:schemeClr>
+                </a:solidFill>
+              </a:rPr>
+              <a:t>.</a:t>
+            </a:r>
+          </a:p>
+          <a:p>
+            <a:pPr marL="285750" indent="-285750">
+              <a:buFont typeface="Arial" panose="020B0604020202020204" pitchFamily="34" charset="0"/>
+              <a:buChar char="•"/>
+            </a:pPr>
+            <a:r>
+              <a:rPr lang="ko-KR" altLang="en-US" sz="1600" b="1" dirty="0">
+                <a:solidFill>
+                  <a:srgbClr val="002060"/>
+                </a:solidFill>
+              </a:rPr>
+              <a:t>방어</a:t>
+            </a:r>
+            <a:r>
+              <a:rPr lang="ko-KR" altLang="en-US" sz="1600" dirty="0">
+                <a:solidFill>
+                  <a:schemeClr val="tx1">
+                    <a:lumMod val="85000"/>
+                  </a:schemeClr>
+                </a:solidFill>
+              </a:rPr>
+              <a:t> </a:t>
+            </a:r>
+            <a:r>
+              <a:rPr lang="en-US" altLang="ko-KR" sz="1600" dirty="0">
+                <a:solidFill>
+                  <a:schemeClr val="tx1">
+                    <a:lumMod val="85000"/>
+                  </a:schemeClr>
+                </a:solidFill>
+              </a:rPr>
+              <a:t>– </a:t>
+            </a:r>
+            <a:r>
+              <a:rPr lang="ko-KR" altLang="en-US" sz="1600" dirty="0">
+                <a:solidFill>
+                  <a:schemeClr val="tx1">
+                    <a:lumMod val="85000"/>
+                  </a:schemeClr>
+                </a:solidFill>
+              </a:rPr>
+              <a:t>상대의 공격에 방어 판정을 하여 피해를 줄임</a:t>
+            </a:r>
+            <a:r>
+              <a:rPr lang="en-US" altLang="ko-KR" sz="1600" dirty="0">
+                <a:solidFill>
+                  <a:schemeClr val="tx1">
+                    <a:lumMod val="85000"/>
+                  </a:schemeClr>
+                </a:solidFill>
+              </a:rPr>
+              <a:t>. </a:t>
+            </a:r>
+          </a:p>
+          <a:p>
+            <a:pPr marL="285750" indent="-285750">
+              <a:buFont typeface="Arial" panose="020B0604020202020204" pitchFamily="34" charset="0"/>
+              <a:buChar char="•"/>
+            </a:pPr>
+            <a:r>
+              <a:rPr lang="ko-KR" altLang="en-US" sz="1600" b="1" dirty="0">
+                <a:solidFill>
+                  <a:srgbClr val="002060"/>
+                </a:solidFill>
+              </a:rPr>
+              <a:t>회피</a:t>
+            </a:r>
+            <a:r>
+              <a:rPr lang="ko-KR" altLang="en-US" sz="1600" dirty="0">
+                <a:solidFill>
+                  <a:schemeClr val="tx1">
+                    <a:lumMod val="85000"/>
+                  </a:schemeClr>
+                </a:solidFill>
+              </a:rPr>
+              <a:t> </a:t>
+            </a:r>
+            <a:r>
+              <a:rPr lang="en-US" altLang="ko-KR" sz="1600" dirty="0">
+                <a:solidFill>
+                  <a:schemeClr val="tx1">
+                    <a:lumMod val="85000"/>
+                  </a:schemeClr>
+                </a:solidFill>
+              </a:rPr>
+              <a:t>– </a:t>
+            </a:r>
+            <a:r>
+              <a:rPr lang="ko-KR" altLang="en-US" sz="1600" dirty="0">
+                <a:solidFill>
+                  <a:schemeClr val="tx1">
+                    <a:lumMod val="85000"/>
+                  </a:schemeClr>
+                </a:solidFill>
+              </a:rPr>
+              <a:t>상대의 공격에 회피 판정을 하여 공격을 회피</a:t>
+            </a:r>
+            <a:r>
+              <a:rPr lang="en-US" altLang="ko-KR" sz="1600" dirty="0">
+                <a:solidFill>
+                  <a:schemeClr val="tx1">
+                    <a:lumMod val="85000"/>
+                  </a:schemeClr>
+                </a:solidFill>
+              </a:rPr>
+              <a:t>.</a:t>
+            </a:r>
+          </a:p>
+          <a:p>
+            <a:r>
+              <a:rPr lang="en-US" altLang="ko-KR" sz="1600" dirty="0">
+                <a:solidFill>
+                  <a:schemeClr val="tx1">
+                    <a:lumMod val="85000"/>
+                  </a:schemeClr>
+                </a:solidFill>
+              </a:rPr>
+              <a:t>*</a:t>
+            </a:r>
+            <a:r>
+              <a:rPr lang="ko-KR" altLang="en-US" sz="1600" b="1" dirty="0">
+                <a:solidFill>
+                  <a:srgbClr val="002060"/>
+                </a:solidFill>
+              </a:rPr>
+              <a:t>방어</a:t>
+            </a:r>
+            <a:r>
+              <a:rPr lang="ko-KR" altLang="en-US" sz="1600" dirty="0">
+                <a:solidFill>
+                  <a:schemeClr val="tx1">
+                    <a:lumMod val="85000"/>
+                  </a:schemeClr>
+                </a:solidFill>
+              </a:rPr>
+              <a:t>와 </a:t>
+            </a:r>
+            <a:r>
+              <a:rPr lang="ko-KR" altLang="en-US" sz="1600" b="1" dirty="0">
+                <a:solidFill>
+                  <a:srgbClr val="002060"/>
+                </a:solidFill>
+              </a:rPr>
+              <a:t>회피</a:t>
+            </a:r>
+            <a:r>
+              <a:rPr lang="ko-KR" altLang="en-US" sz="1600" dirty="0">
+                <a:solidFill>
+                  <a:schemeClr val="tx1">
+                    <a:lumMod val="85000"/>
+                  </a:schemeClr>
+                </a:solidFill>
+              </a:rPr>
+              <a:t>는 </a:t>
+            </a:r>
+            <a:r>
+              <a:rPr lang="ko-KR" altLang="en-US" sz="1600" b="1" dirty="0">
+                <a:solidFill>
+                  <a:srgbClr val="002060"/>
+                </a:solidFill>
+              </a:rPr>
+              <a:t>일방공격</a:t>
+            </a:r>
+            <a:r>
+              <a:rPr lang="ko-KR" altLang="en-US" sz="1600" dirty="0">
+                <a:solidFill>
+                  <a:schemeClr val="tx1">
+                    <a:lumMod val="85000"/>
+                  </a:schemeClr>
+                </a:solidFill>
+              </a:rPr>
+              <a:t> 시 추가 </a:t>
+            </a:r>
+            <a:r>
+              <a:rPr lang="ko-KR" altLang="en-US" sz="1600" b="1" dirty="0">
+                <a:solidFill>
+                  <a:srgbClr val="002060"/>
+                </a:solidFill>
+              </a:rPr>
+              <a:t>리액션</a:t>
+            </a:r>
+            <a:r>
+              <a:rPr lang="ko-KR" altLang="en-US" sz="1600" dirty="0">
+                <a:solidFill>
+                  <a:schemeClr val="tx1">
+                    <a:lumMod val="85000"/>
+                  </a:schemeClr>
+                </a:solidFill>
+              </a:rPr>
+              <a:t>으로 보존됨</a:t>
+            </a:r>
+            <a:r>
+              <a:rPr lang="en-US" altLang="ko-KR" sz="1600" dirty="0">
+                <a:solidFill>
+                  <a:schemeClr val="tx1">
+                    <a:lumMod val="85000"/>
+                  </a:schemeClr>
+                </a:solidFill>
+              </a:rPr>
+              <a:t>.</a:t>
+            </a:r>
             <a:endParaRPr lang="en-US" altLang="ko-KR" dirty="0">
               <a:solidFill>
                 <a:schemeClr val="tx1">
@@ -5939,426 +6460,14 @@
               </a:solidFill>
             </a:endParaRPr>
           </a:p>
-          <a:p>
-            <a:pPr algn="ctr"/>
-            <a:r>
-              <a:rPr lang="ko-KR" altLang="en-US" b="1" dirty="0" err="1">
-                <a:solidFill>
-                  <a:schemeClr val="tx1">
-                    <a:lumMod val="85000"/>
-                  </a:schemeClr>
-                </a:solidFill>
-              </a:rPr>
-              <a:t>리액션</a:t>
-            </a:r>
-            <a:endParaRPr lang="en-US" altLang="ko-KR" b="1" dirty="0">
-              <a:solidFill>
-                <a:schemeClr val="tx1">
-                  <a:lumMod val="85000"/>
-                </a:schemeClr>
-              </a:solidFill>
-            </a:endParaRPr>
-          </a:p>
-          <a:p>
-            <a:pPr algn="ctr"/>
-            <a:r>
-              <a:rPr lang="ko-KR" altLang="en-US" b="1" dirty="0">
-                <a:solidFill>
-                  <a:srgbClr val="002060"/>
-                </a:solidFill>
-              </a:rPr>
-              <a:t>액션</a:t>
-            </a:r>
-            <a:r>
-              <a:rPr lang="ko-KR" altLang="en-US" dirty="0">
-                <a:solidFill>
-                  <a:schemeClr val="tx1">
-                    <a:lumMod val="85000"/>
-                  </a:schemeClr>
-                </a:solidFill>
-              </a:rPr>
-              <a:t>과 동일하지만 </a:t>
-            </a:r>
-            <a:r>
-              <a:rPr lang="ko-KR" altLang="en-US" b="1" dirty="0">
-                <a:solidFill>
-                  <a:srgbClr val="002060"/>
-                </a:solidFill>
-              </a:rPr>
-              <a:t>보호</a:t>
-            </a:r>
-            <a:r>
-              <a:rPr lang="ko-KR" altLang="en-US" dirty="0">
-                <a:solidFill>
-                  <a:schemeClr val="tx1">
-                    <a:lumMod val="85000"/>
-                  </a:schemeClr>
-                </a:solidFill>
-              </a:rPr>
-              <a:t>는 못 함</a:t>
-            </a:r>
-            <a:r>
-              <a:rPr lang="en-US" altLang="ko-KR" dirty="0">
-                <a:solidFill>
-                  <a:schemeClr val="tx1">
-                    <a:lumMod val="85000"/>
-                  </a:schemeClr>
-                </a:solidFill>
-              </a:rPr>
-              <a:t>.</a:t>
-            </a:r>
-            <a:br>
-              <a:rPr lang="en-US" altLang="ko-KR" dirty="0">
-                <a:solidFill>
-                  <a:schemeClr val="tx1">
-                    <a:lumMod val="85000"/>
-                  </a:schemeClr>
-                </a:solidFill>
-              </a:rPr>
-            </a:br>
-            <a:r>
-              <a:rPr lang="ko-KR" altLang="en-US" b="1" dirty="0">
-                <a:solidFill>
-                  <a:srgbClr val="002060"/>
-                </a:solidFill>
-              </a:rPr>
-              <a:t>라운드</a:t>
-            </a:r>
-            <a:r>
-              <a:rPr lang="ko-KR" altLang="en-US" b="1" dirty="0">
-                <a:solidFill>
-                  <a:schemeClr val="tx1">
-                    <a:lumMod val="85000"/>
-                  </a:schemeClr>
-                </a:solidFill>
-              </a:rPr>
-              <a:t> 당 두 번까지</a:t>
-            </a:r>
-            <a:r>
-              <a:rPr lang="en-US" altLang="ko-KR" b="1" dirty="0">
-                <a:solidFill>
-                  <a:schemeClr val="tx1">
-                    <a:lumMod val="85000"/>
-                  </a:schemeClr>
-                </a:solidFill>
-              </a:rPr>
-              <a:t>, </a:t>
-            </a:r>
-            <a:r>
-              <a:rPr lang="ko-KR" altLang="en-US" b="1" dirty="0">
-                <a:solidFill>
-                  <a:schemeClr val="tx1">
-                    <a:lumMod val="85000"/>
-                  </a:schemeClr>
-                </a:solidFill>
-              </a:rPr>
-              <a:t>두 번째는 불리함으로 판정</a:t>
-            </a:r>
-            <a:r>
-              <a:rPr lang="en-US" altLang="ko-KR" b="1" dirty="0">
-                <a:solidFill>
-                  <a:schemeClr val="tx1">
-                    <a:lumMod val="85000"/>
-                  </a:schemeClr>
-                </a:solidFill>
-              </a:rPr>
-              <a:t>.</a:t>
-            </a:r>
-          </a:p>
-          <a:p>
-            <a:pPr algn="ctr"/>
-            <a:endParaRPr lang="en-US" altLang="ko-KR" dirty="0">
-              <a:solidFill>
-                <a:schemeClr val="tx1">
-                  <a:lumMod val="85000"/>
-                </a:schemeClr>
-              </a:solidFill>
-            </a:endParaRPr>
-          </a:p>
-          <a:p>
-            <a:pPr algn="ctr"/>
-            <a:r>
-              <a:rPr lang="ko-KR" altLang="en-US" b="1" dirty="0">
-                <a:solidFill>
-                  <a:schemeClr val="tx1">
-                    <a:lumMod val="85000"/>
-                  </a:schemeClr>
-                </a:solidFill>
-              </a:rPr>
-              <a:t>교전</a:t>
-            </a:r>
-            <a:endParaRPr lang="en-US" altLang="ko-KR" b="1" dirty="0">
-              <a:solidFill>
-                <a:schemeClr val="tx1">
-                  <a:lumMod val="85000"/>
-                </a:schemeClr>
-              </a:solidFill>
-            </a:endParaRPr>
-          </a:p>
-          <a:p>
-            <a:pPr marL="285750" indent="-285750">
-              <a:buFont typeface="Arial" panose="020B0604020202020204" pitchFamily="34" charset="0"/>
-              <a:buChar char="•"/>
-            </a:pPr>
-            <a:r>
-              <a:rPr lang="ko-KR" altLang="en-US" b="1" dirty="0">
-                <a:solidFill>
-                  <a:srgbClr val="002060"/>
-                </a:solidFill>
-              </a:rPr>
-              <a:t>공격</a:t>
-            </a:r>
-            <a:r>
-              <a:rPr lang="ko-KR" altLang="en-US" dirty="0">
-                <a:solidFill>
-                  <a:schemeClr val="tx1">
-                    <a:lumMod val="85000"/>
-                  </a:schemeClr>
-                </a:solidFill>
-              </a:rPr>
-              <a:t> </a:t>
-            </a:r>
-            <a:r>
-              <a:rPr lang="en-US" altLang="ko-KR" dirty="0">
-                <a:solidFill>
-                  <a:schemeClr val="tx1">
-                    <a:lumMod val="85000"/>
-                  </a:schemeClr>
-                </a:solidFill>
-              </a:rPr>
-              <a:t>- </a:t>
-            </a:r>
-            <a:r>
-              <a:rPr lang="ko-KR" altLang="en-US" dirty="0">
-                <a:solidFill>
-                  <a:schemeClr val="tx1">
-                    <a:lumMod val="85000"/>
-                  </a:schemeClr>
-                </a:solidFill>
-              </a:rPr>
-              <a:t>상대에게 공격 판정을 하여 피해를 줌</a:t>
-            </a:r>
-            <a:r>
-              <a:rPr lang="en-US" altLang="ko-KR" dirty="0">
-                <a:solidFill>
-                  <a:schemeClr val="tx1">
-                    <a:lumMod val="85000"/>
-                  </a:schemeClr>
-                </a:solidFill>
-              </a:rPr>
-              <a:t>.</a:t>
-            </a:r>
-          </a:p>
-          <a:p>
-            <a:pPr marL="285750" indent="-285750">
-              <a:buFont typeface="Arial" panose="020B0604020202020204" pitchFamily="34" charset="0"/>
-              <a:buChar char="•"/>
-            </a:pPr>
-            <a:r>
-              <a:rPr lang="ko-KR" altLang="en-US" b="1" dirty="0">
-                <a:solidFill>
-                  <a:srgbClr val="002060"/>
-                </a:solidFill>
-              </a:rPr>
-              <a:t>방어</a:t>
-            </a:r>
-            <a:r>
-              <a:rPr lang="ko-KR" altLang="en-US" dirty="0">
-                <a:solidFill>
-                  <a:schemeClr val="tx1">
-                    <a:lumMod val="85000"/>
-                  </a:schemeClr>
-                </a:solidFill>
-              </a:rPr>
-              <a:t> </a:t>
-            </a:r>
-            <a:r>
-              <a:rPr lang="en-US" altLang="ko-KR" dirty="0">
-                <a:solidFill>
-                  <a:schemeClr val="tx1">
-                    <a:lumMod val="85000"/>
-                  </a:schemeClr>
-                </a:solidFill>
-              </a:rPr>
-              <a:t>– </a:t>
-            </a:r>
-            <a:r>
-              <a:rPr lang="ko-KR" altLang="en-US" dirty="0">
-                <a:solidFill>
-                  <a:schemeClr val="tx1">
-                    <a:lumMod val="85000"/>
-                  </a:schemeClr>
-                </a:solidFill>
-              </a:rPr>
-              <a:t>상대의 공격에 방어 판정을 하여 피해를 줄임</a:t>
-            </a:r>
-            <a:r>
-              <a:rPr lang="en-US" altLang="ko-KR" dirty="0">
-                <a:solidFill>
-                  <a:schemeClr val="tx1">
-                    <a:lumMod val="85000"/>
-                  </a:schemeClr>
-                </a:solidFill>
-              </a:rPr>
-              <a:t>. </a:t>
-            </a:r>
-          </a:p>
-          <a:p>
-            <a:pPr marL="285750" indent="-285750">
-              <a:buFont typeface="Arial" panose="020B0604020202020204" pitchFamily="34" charset="0"/>
-              <a:buChar char="•"/>
-            </a:pPr>
-            <a:r>
-              <a:rPr lang="ko-KR" altLang="en-US" b="1" dirty="0">
-                <a:solidFill>
-                  <a:srgbClr val="002060"/>
-                </a:solidFill>
-              </a:rPr>
-              <a:t>회피</a:t>
-            </a:r>
-            <a:r>
-              <a:rPr lang="ko-KR" altLang="en-US" dirty="0">
-                <a:solidFill>
-                  <a:schemeClr val="tx1">
-                    <a:lumMod val="85000"/>
-                  </a:schemeClr>
-                </a:solidFill>
-              </a:rPr>
-              <a:t> </a:t>
-            </a:r>
-            <a:r>
-              <a:rPr lang="en-US" altLang="ko-KR" dirty="0">
-                <a:solidFill>
-                  <a:schemeClr val="tx1">
-                    <a:lumMod val="85000"/>
-                  </a:schemeClr>
-                </a:solidFill>
-              </a:rPr>
-              <a:t>– </a:t>
-            </a:r>
-            <a:r>
-              <a:rPr lang="ko-KR" altLang="en-US" dirty="0">
-                <a:solidFill>
-                  <a:schemeClr val="tx1">
-                    <a:lumMod val="85000"/>
-                  </a:schemeClr>
-                </a:solidFill>
-              </a:rPr>
-              <a:t>상대의 공격에 회피 판정을 하여 공격을 회피</a:t>
-            </a:r>
-            <a:r>
-              <a:rPr lang="en-US" altLang="ko-KR" dirty="0">
-                <a:solidFill>
-                  <a:schemeClr val="tx1">
-                    <a:lumMod val="85000"/>
-                  </a:schemeClr>
-                </a:solidFill>
-              </a:rPr>
-              <a:t>.</a:t>
-            </a:r>
-          </a:p>
-          <a:p>
-            <a:r>
-              <a:rPr lang="en-US" altLang="ko-KR" dirty="0">
-                <a:solidFill>
-                  <a:schemeClr val="tx1">
-                    <a:lumMod val="85000"/>
-                  </a:schemeClr>
-                </a:solidFill>
-              </a:rPr>
-              <a:t>*</a:t>
-            </a:r>
-            <a:r>
-              <a:rPr lang="ko-KR" altLang="en-US" b="1" dirty="0">
-                <a:solidFill>
-                  <a:srgbClr val="002060"/>
-                </a:solidFill>
-              </a:rPr>
-              <a:t>방어</a:t>
-            </a:r>
-            <a:r>
-              <a:rPr lang="ko-KR" altLang="en-US" dirty="0">
-                <a:solidFill>
-                  <a:schemeClr val="tx1">
-                    <a:lumMod val="85000"/>
-                  </a:schemeClr>
-                </a:solidFill>
-              </a:rPr>
-              <a:t>와 </a:t>
-            </a:r>
-            <a:r>
-              <a:rPr lang="ko-KR" altLang="en-US" b="1" dirty="0">
-                <a:solidFill>
-                  <a:srgbClr val="002060"/>
-                </a:solidFill>
-              </a:rPr>
-              <a:t>회피</a:t>
-            </a:r>
-            <a:r>
-              <a:rPr lang="ko-KR" altLang="en-US" dirty="0">
-                <a:solidFill>
-                  <a:schemeClr val="tx1">
-                    <a:lumMod val="85000"/>
-                  </a:schemeClr>
-                </a:solidFill>
-              </a:rPr>
-              <a:t>는 </a:t>
-            </a:r>
-            <a:r>
-              <a:rPr lang="ko-KR" altLang="en-US" b="1" dirty="0">
-                <a:solidFill>
-                  <a:srgbClr val="002060"/>
-                </a:solidFill>
-              </a:rPr>
-              <a:t>일방공격</a:t>
-            </a:r>
-            <a:r>
-              <a:rPr lang="ko-KR" altLang="en-US" dirty="0">
-                <a:solidFill>
-                  <a:schemeClr val="tx1">
-                    <a:lumMod val="85000"/>
-                  </a:schemeClr>
-                </a:solidFill>
-              </a:rPr>
-              <a:t> 시 추가 </a:t>
-            </a:r>
-            <a:r>
-              <a:rPr lang="ko-KR" altLang="en-US" b="1" dirty="0">
-                <a:solidFill>
-                  <a:srgbClr val="002060"/>
-                </a:solidFill>
-              </a:rPr>
-              <a:t>리액션</a:t>
-            </a:r>
-            <a:r>
-              <a:rPr lang="ko-KR" altLang="en-US" dirty="0">
-                <a:solidFill>
-                  <a:schemeClr val="tx1">
-                    <a:lumMod val="85000"/>
-                  </a:schemeClr>
-                </a:solidFill>
-              </a:rPr>
-              <a:t>으로 보존됨</a:t>
-            </a:r>
-            <a:r>
-              <a:rPr lang="en-US" altLang="ko-KR" dirty="0">
-                <a:solidFill>
-                  <a:schemeClr val="tx1">
-                    <a:lumMod val="85000"/>
-                  </a:schemeClr>
-                </a:solidFill>
-              </a:rPr>
-              <a:t>.</a:t>
-            </a:r>
-          </a:p>
         </p:txBody>
       </p:sp>
       <p:graphicFrame>
         <p:nvGraphicFramePr>
-          <p:cNvPr id="17" name="표 6">
-            <a:extLst>
-              <a:ext uri="{FF2B5EF4-FFF2-40B4-BE49-F238E27FC236}">
-                <a16:creationId xmlns:a16="http://schemas.microsoft.com/office/drawing/2014/main" id="{906F13B7-2E54-4905-A2CF-F8DC70FDB43E}"/>
+          <p:cNvPr id="57" name="표 6">
+            <a:extLst>
+              <a:ext uri="{FF2B5EF4-FFF2-40B4-BE49-F238E27FC236}">
+                <a16:creationId xmlns:a16="http://schemas.microsoft.com/office/drawing/2014/main" id="{2BBC9705-36CA-4F82-BBE5-2EA12E792412}"/>
               </a:ext>
             </a:extLst>
           </p:cNvPr>
@@ -6368,14 +6477,14 @@
           <p:nvPr userDrawn="1">
             <p:extLst>
               <p:ext uri="{D42A27DB-BD31-4B8C-83A1-F6EECF244321}">
-                <p14:modId xmlns:p14="http://schemas.microsoft.com/office/powerpoint/2010/main" val="1657561179"/>
+                <p14:modId xmlns:p14="http://schemas.microsoft.com/office/powerpoint/2010/main" val="92843599"/>
               </p:ext>
             </p:extLst>
           </p:nvPr>
         </p:nvGraphicFramePr>
         <p:xfrm>
-          <a:off x="6573968" y="1812178"/>
-          <a:ext cx="4667712" cy="612588"/>
+          <a:off x="6573968" y="1705120"/>
+          <a:ext cx="4667712" cy="582108"/>
         </p:xfrm>
         <a:graphic>
           <a:graphicData uri="http://schemas.openxmlformats.org/drawingml/2006/table">
@@ -6421,7 +6530,7 @@
                     <a:p>
                       <a:pPr algn="ctr" latinLnBrk="1"/>
                       <a:r>
-                        <a:rPr lang="ko-KR" altLang="en-US" sz="1500" dirty="0"/>
+                        <a:rPr lang="ko-KR" altLang="en-US" sz="1400" dirty="0"/>
                         <a:t>사소함</a:t>
                       </a:r>
                     </a:p>
@@ -6435,7 +6544,7 @@
                     <a:p>
                       <a:pPr algn="ctr" latinLnBrk="1"/>
                       <a:r>
-                        <a:rPr lang="ko-KR" altLang="en-US" sz="1500" dirty="0"/>
+                        <a:rPr lang="ko-KR" altLang="en-US" sz="1400" dirty="0"/>
                         <a:t>매우 쉬움</a:t>
                       </a:r>
                     </a:p>
@@ -6449,7 +6558,7 @@
                     <a:p>
                       <a:pPr algn="ctr" latinLnBrk="1"/>
                       <a:r>
-                        <a:rPr lang="ko-KR" altLang="en-US" sz="1500" dirty="0"/>
+                        <a:rPr lang="ko-KR" altLang="en-US" sz="1400" dirty="0"/>
                         <a:t>쉬움</a:t>
                       </a:r>
                     </a:p>
@@ -6463,7 +6572,7 @@
                     <a:p>
                       <a:pPr algn="ctr" latinLnBrk="1"/>
                       <a:r>
-                        <a:rPr lang="ko-KR" altLang="en-US" sz="1500" b="1" dirty="0"/>
+                        <a:rPr lang="ko-KR" altLang="en-US" sz="1400" b="1" dirty="0"/>
                         <a:t>보통</a:t>
                       </a:r>
                     </a:p>
@@ -6484,10 +6593,10 @@
                     <a:p>
                       <a:pPr algn="ctr" latinLnBrk="1"/>
                       <a:r>
-                        <a:rPr lang="en-US" altLang="ko-KR" sz="1500" dirty="0"/>
+                        <a:rPr lang="en-US" altLang="ko-KR" sz="1400" dirty="0"/>
                         <a:t>+3</a:t>
                       </a:r>
-                      <a:endParaRPr lang="ko-KR" altLang="en-US" sz="1500" dirty="0"/>
+                      <a:endParaRPr lang="ko-KR" altLang="en-US" sz="1400" dirty="0"/>
                     </a:p>
                   </a:txBody>
                   <a:tcPr marL="77695" marR="77695" marT="38847" marB="38847"/>
@@ -6499,10 +6608,10 @@
                     <a:p>
                       <a:pPr algn="ctr" latinLnBrk="1"/>
                       <a:r>
-                        <a:rPr lang="en-US" altLang="ko-KR" sz="1500" dirty="0"/>
+                        <a:rPr lang="en-US" altLang="ko-KR" sz="1400" dirty="0"/>
                         <a:t>+2</a:t>
                       </a:r>
-                      <a:endParaRPr lang="ko-KR" altLang="en-US" sz="1500" dirty="0"/>
+                      <a:endParaRPr lang="ko-KR" altLang="en-US" sz="1400" dirty="0"/>
                     </a:p>
                   </a:txBody>
                   <a:tcPr marL="77695" marR="77695" marT="38847" marB="38847"/>
@@ -6514,10 +6623,10 @@
                     <a:p>
                       <a:pPr algn="ctr" latinLnBrk="1"/>
                       <a:r>
-                        <a:rPr lang="en-US" altLang="ko-KR" sz="1500" dirty="0"/>
+                        <a:rPr lang="en-US" altLang="ko-KR" sz="1400" dirty="0"/>
                         <a:t>+1</a:t>
                       </a:r>
-                      <a:endParaRPr lang="ko-KR" altLang="en-US" sz="1500" dirty="0"/>
+                      <a:endParaRPr lang="ko-KR" altLang="en-US" sz="1400" dirty="0"/>
                     </a:p>
                   </a:txBody>
                   <a:tcPr marL="77695" marR="77695" marT="38847" marB="38847"/>
@@ -6529,10 +6638,10 @@
                     <a:p>
                       <a:pPr algn="ctr" latinLnBrk="1"/>
                       <a:r>
-                        <a:rPr lang="en-US" altLang="ko-KR" sz="1500" dirty="0"/>
+                        <a:rPr lang="en-US" altLang="ko-KR" sz="1400" dirty="0"/>
                         <a:t>+0</a:t>
                       </a:r>
-                      <a:endParaRPr lang="ko-KR" altLang="en-US" sz="1500" dirty="0"/>
+                      <a:endParaRPr lang="ko-KR" altLang="en-US" sz="1400" dirty="0"/>
                     </a:p>
                   </a:txBody>
                   <a:tcPr marL="77695" marR="77695" marT="38847" marB="38847"/>
@@ -6549,10 +6658,10 @@
       </p:graphicFrame>
       <p:graphicFrame>
         <p:nvGraphicFramePr>
-          <p:cNvPr id="18" name="표 6">
-            <a:extLst>
-              <a:ext uri="{FF2B5EF4-FFF2-40B4-BE49-F238E27FC236}">
-                <a16:creationId xmlns:a16="http://schemas.microsoft.com/office/drawing/2014/main" id="{FCE715A8-9E13-4B66-BB8A-33B1B4F397D8}"/>
+          <p:cNvPr id="58" name="표 6">
+            <a:extLst>
+              <a:ext uri="{FF2B5EF4-FFF2-40B4-BE49-F238E27FC236}">
+                <a16:creationId xmlns:a16="http://schemas.microsoft.com/office/drawing/2014/main" id="{3440F360-CB3D-417A-BC35-DEF4B0912F83}"/>
               </a:ext>
             </a:extLst>
           </p:cNvPr>
@@ -6562,14 +6671,14 @@
           <p:nvPr userDrawn="1">
             <p:extLst>
               <p:ext uri="{D42A27DB-BD31-4B8C-83A1-F6EECF244321}">
-                <p14:modId xmlns:p14="http://schemas.microsoft.com/office/powerpoint/2010/main" val="100356103"/>
+                <p14:modId xmlns:p14="http://schemas.microsoft.com/office/powerpoint/2010/main" val="2939052910"/>
               </p:ext>
             </p:extLst>
           </p:nvPr>
         </p:nvGraphicFramePr>
         <p:xfrm>
-          <a:off x="6573968" y="2444130"/>
-          <a:ext cx="4667712" cy="612588"/>
+          <a:off x="6573968" y="2286585"/>
+          <a:ext cx="4667712" cy="582108"/>
         </p:xfrm>
         <a:graphic>
           <a:graphicData uri="http://schemas.openxmlformats.org/drawingml/2006/table">
@@ -6615,7 +6724,7 @@
                     <a:p>
                       <a:pPr algn="ctr" latinLnBrk="1"/>
                       <a:r>
-                        <a:rPr lang="ko-KR" altLang="en-US" sz="1500" dirty="0"/>
+                        <a:rPr lang="ko-KR" altLang="en-US" sz="1400" dirty="0"/>
                         <a:t>성가심</a:t>
                       </a:r>
                     </a:p>
@@ -6629,7 +6738,7 @@
                     <a:p>
                       <a:pPr algn="ctr" latinLnBrk="1"/>
                       <a:r>
-                        <a:rPr lang="ko-KR" altLang="en-US" sz="1500" dirty="0"/>
+                        <a:rPr lang="ko-KR" altLang="en-US" sz="1400" dirty="0"/>
                         <a:t>어려움</a:t>
                       </a:r>
                     </a:p>
@@ -6643,10 +6752,10 @@
                     <a:p>
                       <a:pPr algn="ctr" latinLnBrk="1"/>
                       <a:r>
-                        <a:rPr lang="ko-KR" altLang="en-US" sz="1400" dirty="0"/>
+                        <a:rPr lang="ko-KR" altLang="en-US" sz="1200" dirty="0"/>
                         <a:t>매우 어려움</a:t>
                       </a:r>
-                      <a:endParaRPr lang="ko-KR" altLang="en-US" sz="1500" dirty="0"/>
+                      <a:endParaRPr lang="ko-KR" altLang="en-US" sz="1400" dirty="0"/>
                     </a:p>
                   </a:txBody>
                   <a:tcPr marL="77695" marR="77695" marT="38847" marB="38847"/>
@@ -6658,7 +6767,7 @@
                     <a:p>
                       <a:pPr algn="ctr" latinLnBrk="1"/>
                       <a:r>
-                        <a:rPr lang="ko-KR" altLang="en-US" sz="1500" dirty="0"/>
+                        <a:rPr lang="ko-KR" altLang="en-US" sz="1400" dirty="0"/>
                         <a:t>자랑거리</a:t>
                       </a:r>
                     </a:p>
@@ -6679,10 +6788,10 @@
                     <a:p>
                       <a:pPr algn="ctr" latinLnBrk="1"/>
                       <a:r>
-                        <a:rPr lang="en-US" altLang="ko-KR" sz="1500" dirty="0"/>
+                        <a:rPr lang="en-US" altLang="ko-KR" sz="1400" dirty="0"/>
                         <a:t>-1</a:t>
                       </a:r>
-                      <a:endParaRPr lang="ko-KR" altLang="en-US" sz="1500" dirty="0"/>
+                      <a:endParaRPr lang="ko-KR" altLang="en-US" sz="1400" dirty="0"/>
                     </a:p>
                   </a:txBody>
                   <a:tcPr marL="77695" marR="77695" marT="38847" marB="38847"/>
@@ -6694,10 +6803,10 @@
                     <a:p>
                       <a:pPr algn="ctr" latinLnBrk="1"/>
                       <a:r>
-                        <a:rPr lang="en-US" altLang="ko-KR" sz="1500" dirty="0"/>
+                        <a:rPr lang="en-US" altLang="ko-KR" sz="1400" dirty="0"/>
                         <a:t>-2</a:t>
                       </a:r>
-                      <a:endParaRPr lang="ko-KR" altLang="en-US" sz="1500" dirty="0"/>
+                      <a:endParaRPr lang="ko-KR" altLang="en-US" sz="1400" dirty="0"/>
                     </a:p>
                   </a:txBody>
                   <a:tcPr marL="77695" marR="77695" marT="38847" marB="38847"/>
@@ -6709,10 +6818,10 @@
                     <a:p>
                       <a:pPr algn="ctr" latinLnBrk="1"/>
                       <a:r>
-                        <a:rPr lang="en-US" altLang="ko-KR" sz="1500" dirty="0"/>
+                        <a:rPr lang="en-US" altLang="ko-KR" sz="1400" dirty="0"/>
                         <a:t>-3</a:t>
                       </a:r>
-                      <a:endParaRPr lang="ko-KR" altLang="en-US" sz="1500" dirty="0"/>
+                      <a:endParaRPr lang="ko-KR" altLang="en-US" sz="1400" dirty="0"/>
                     </a:p>
                   </a:txBody>
                   <a:tcPr marL="77695" marR="77695" marT="38847" marB="38847"/>
@@ -6724,7 +6833,7 @@
                     <a:p>
                       <a:pPr algn="ctr" latinLnBrk="1"/>
                       <a:r>
-                        <a:rPr lang="en-US" altLang="ko-KR" sz="1500" dirty="0"/>
+                        <a:rPr lang="en-US" altLang="ko-KR" sz="1400" dirty="0"/>
                         <a:t>-4</a:t>
                       </a:r>
                     </a:p>
@@ -6743,10 +6852,10 @@
       </p:graphicFrame>
       <p:sp>
         <p:nvSpPr>
-          <p:cNvPr id="19" name="TextBox 18">
-            <a:extLst>
-              <a:ext uri="{FF2B5EF4-FFF2-40B4-BE49-F238E27FC236}">
-                <a16:creationId xmlns:a16="http://schemas.microsoft.com/office/drawing/2014/main" id="{0169ECD1-D6F2-43FD-BB48-F5DC6E36A3CC}"/>
+          <p:cNvPr id="59" name="TextBox 58">
+            <a:extLst>
+              <a:ext uri="{FF2B5EF4-FFF2-40B4-BE49-F238E27FC236}">
+                <a16:creationId xmlns:a16="http://schemas.microsoft.com/office/drawing/2014/main" id="{A6BAE6F3-36B4-49A4-B698-FD46868B2AC9}"/>
               </a:ext>
             </a:extLst>
           </p:cNvPr>
@@ -6756,7 +6865,7 @@
         <p:spPr>
           <a:xfrm>
             <a:off x="6358347" y="642627"/>
-            <a:ext cx="5332240" cy="1169551"/>
+            <a:ext cx="5332240" cy="1046440"/>
           </a:xfrm>
           <a:prstGeom prst="rect">
             <a:avLst/>
@@ -6771,7 +6880,7 @@
           <a:p>
             <a:pPr algn="ctr"/>
             <a:r>
-              <a:rPr lang="ko-KR" altLang="en-US" dirty="0">
+              <a:rPr lang="ko-KR" altLang="en-US" sz="1600" dirty="0">
                 <a:solidFill>
                   <a:schemeClr val="tx1">
                     <a:lumMod val="85000"/>
@@ -6781,7 +6890,7 @@
               <a:t>무언가를 해서 결과를 알아볼 때의 </a:t>
             </a:r>
             <a:r>
-              <a:rPr lang="ko-KR" altLang="en-US" b="1" dirty="0">
+              <a:rPr lang="ko-KR" altLang="en-US" sz="1600" b="1" dirty="0">
                 <a:solidFill>
                   <a:srgbClr val="002060"/>
                 </a:solidFill>
@@ -6789,7 +6898,7 @@
               <a:t>판정</a:t>
             </a:r>
             <a:r>
-              <a:rPr lang="en-US" altLang="ko-KR" dirty="0">
+              <a:rPr lang="en-US" altLang="ko-KR" sz="1600" dirty="0">
                 <a:solidFill>
                   <a:schemeClr val="tx1">
                     <a:lumMod val="85000"/>
@@ -6802,7 +6911,7 @@
           <a:p>
             <a:pPr algn="ctr"/>
             <a:r>
-              <a:rPr lang="ko-KR" altLang="en-US" sz="1600" i="1" dirty="0">
+              <a:rPr lang="ko-KR" altLang="en-US" sz="1400" i="1" dirty="0">
                 <a:solidFill>
                   <a:schemeClr val="tx1">
                     <a:lumMod val="85000"/>
@@ -6812,7 +6921,7 @@
               <a:t>본능</a:t>
             </a:r>
             <a:r>
-              <a:rPr lang="en-US" altLang="ko-KR" sz="1600" i="1" dirty="0">
+              <a:rPr lang="en-US" altLang="ko-KR" sz="1400" i="1" dirty="0">
                 <a:solidFill>
                   <a:schemeClr val="tx1">
                     <a:lumMod val="85000"/>
@@ -6822,7 +6931,7 @@
               <a:t>-</a:t>
             </a:r>
             <a:r>
-              <a:rPr lang="ko-KR" altLang="en-US" sz="1600" i="1" dirty="0">
+              <a:rPr lang="ko-KR" altLang="en-US" sz="1400" i="1" dirty="0">
                 <a:solidFill>
                   <a:schemeClr val="tx1">
                     <a:lumMod val="85000"/>
@@ -6832,7 +6941,7 @@
               <a:t>힘</a:t>
             </a:r>
             <a:r>
-              <a:rPr lang="en-US" altLang="ko-KR" sz="1600" i="1" dirty="0">
+              <a:rPr lang="en-US" altLang="ko-KR" sz="1400" i="1" dirty="0">
                 <a:solidFill>
                   <a:schemeClr val="tx1">
                     <a:lumMod val="85000"/>
@@ -6842,7 +6951,7 @@
               <a:t>, </a:t>
             </a:r>
             <a:r>
-              <a:rPr lang="ko-KR" altLang="en-US" sz="1600" i="1" dirty="0">
+              <a:rPr lang="ko-KR" altLang="en-US" sz="1400" i="1" dirty="0">
                 <a:solidFill>
                   <a:schemeClr val="tx1">
                     <a:lumMod val="85000"/>
@@ -6852,7 +6961,7 @@
               <a:t>통찰</a:t>
             </a:r>
             <a:r>
-              <a:rPr lang="en-US" altLang="ko-KR" sz="1600" i="1" dirty="0">
+              <a:rPr lang="en-US" altLang="ko-KR" sz="1400" i="1" dirty="0">
                 <a:solidFill>
                   <a:schemeClr val="tx1">
                     <a:lumMod val="85000"/>
@@ -6862,7 +6971,7 @@
               <a:t>-</a:t>
             </a:r>
             <a:r>
-              <a:rPr lang="ko-KR" altLang="en-US" sz="1600" i="1" dirty="0">
+              <a:rPr lang="ko-KR" altLang="en-US" sz="1400" i="1" dirty="0">
                 <a:solidFill>
                   <a:schemeClr val="tx1">
                     <a:lumMod val="85000"/>
@@ -6872,7 +6981,7 @@
               <a:t>분석</a:t>
             </a:r>
             <a:r>
-              <a:rPr lang="en-US" altLang="ko-KR" sz="1600" i="1" dirty="0">
+              <a:rPr lang="en-US" altLang="ko-KR" sz="1400" i="1" dirty="0">
                 <a:solidFill>
                   <a:schemeClr val="tx1">
                     <a:lumMod val="85000"/>
@@ -6882,7 +6991,7 @@
               <a:t>, </a:t>
             </a:r>
             <a:r>
-              <a:rPr lang="ko-KR" altLang="en-US" sz="1600" i="1" dirty="0">
+              <a:rPr lang="ko-KR" altLang="en-US" sz="1400" i="1" dirty="0">
                 <a:solidFill>
                   <a:schemeClr val="tx1">
                     <a:lumMod val="85000"/>
@@ -6892,7 +7001,7 @@
               <a:t>지혜</a:t>
             </a:r>
             <a:r>
-              <a:rPr lang="en-US" altLang="ko-KR" sz="1600" i="1" dirty="0">
+              <a:rPr lang="en-US" altLang="ko-KR" sz="1400" i="1" dirty="0">
                 <a:solidFill>
                   <a:schemeClr val="tx1">
                     <a:lumMod val="85000"/>
@@ -6902,7 +7011,7 @@
               <a:t>-</a:t>
             </a:r>
             <a:r>
-              <a:rPr lang="ko-KR" altLang="en-US" sz="1600" i="1" dirty="0">
+              <a:rPr lang="ko-KR" altLang="en-US" sz="1400" i="1" dirty="0">
                 <a:solidFill>
                   <a:schemeClr val="tx1">
                     <a:lumMod val="85000"/>
@@ -6912,7 +7021,7 @@
               <a:t>탐구</a:t>
             </a:r>
             <a:br>
-              <a:rPr lang="en-US" altLang="ko-KR" sz="1600" i="1" dirty="0">
+              <a:rPr lang="en-US" altLang="ko-KR" sz="1400" i="1" dirty="0">
                 <a:solidFill>
                   <a:schemeClr val="tx1">
                     <a:lumMod val="85000"/>
@@ -6921,7 +7030,7 @@
               </a:rPr>
             </a:br>
             <a:r>
-              <a:rPr lang="ko-KR" altLang="en-US" sz="1600" i="1" dirty="0">
+              <a:rPr lang="ko-KR" altLang="en-US" sz="1400" i="1" dirty="0">
                 <a:solidFill>
                   <a:schemeClr val="tx1">
                     <a:lumMod val="85000"/>
@@ -6931,7 +7040,7 @@
               <a:t>매력</a:t>
             </a:r>
             <a:r>
-              <a:rPr lang="en-US" altLang="ko-KR" sz="1600" i="1" dirty="0">
+              <a:rPr lang="en-US" altLang="ko-KR" sz="1400" i="1" dirty="0">
                 <a:solidFill>
                   <a:schemeClr val="tx1">
                     <a:lumMod val="85000"/>
@@ -6941,7 +7050,7 @@
               <a:t>-</a:t>
             </a:r>
             <a:r>
-              <a:rPr lang="ko-KR" altLang="en-US" sz="1600" i="1" dirty="0">
+              <a:rPr lang="ko-KR" altLang="en-US" sz="1400" i="1" dirty="0">
                 <a:solidFill>
                   <a:schemeClr val="tx1">
                     <a:lumMod val="85000"/>
@@ -6951,7 +7060,7 @@
               <a:t>말</a:t>
             </a:r>
             <a:r>
-              <a:rPr lang="en-US" altLang="ko-KR" sz="1600" i="1" dirty="0">
+              <a:rPr lang="en-US" altLang="ko-KR" sz="1400" i="1" dirty="0">
                 <a:solidFill>
                   <a:schemeClr val="tx1">
                     <a:lumMod val="85000"/>
@@ -6961,7 +7070,7 @@
               <a:t>, </a:t>
             </a:r>
             <a:r>
-              <a:rPr lang="ko-KR" altLang="en-US" sz="1600" i="1" dirty="0">
+              <a:rPr lang="ko-KR" altLang="en-US" sz="1400" i="1" dirty="0">
                 <a:solidFill>
                   <a:schemeClr val="tx1">
                     <a:lumMod val="85000"/>
@@ -6971,7 +7080,7 @@
               <a:t>정의</a:t>
             </a:r>
             <a:r>
-              <a:rPr lang="en-US" altLang="ko-KR" sz="1600" i="1" dirty="0">
+              <a:rPr lang="en-US" altLang="ko-KR" sz="1400" i="1" dirty="0">
                 <a:solidFill>
                   <a:schemeClr val="tx1">
                     <a:lumMod val="85000"/>
@@ -6981,7 +7090,7 @@
               <a:t>-</a:t>
             </a:r>
             <a:r>
-              <a:rPr lang="ko-KR" altLang="en-US" sz="1600" i="1" dirty="0">
+              <a:rPr lang="ko-KR" altLang="en-US" sz="1400" i="1" dirty="0">
                 <a:solidFill>
                   <a:schemeClr val="tx1">
                     <a:lumMod val="85000"/>
@@ -6991,7 +7100,7 @@
               <a:t>강행</a:t>
             </a:r>
             <a:r>
-              <a:rPr lang="en-US" altLang="ko-KR" sz="1600" i="1" dirty="0">
+              <a:rPr lang="en-US" altLang="ko-KR" sz="1400" i="1" dirty="0">
                 <a:solidFill>
                   <a:schemeClr val="tx1">
                     <a:lumMod val="85000"/>
@@ -7001,7 +7110,7 @@
               <a:t>, </a:t>
             </a:r>
             <a:r>
-              <a:rPr lang="ko-KR" altLang="en-US" sz="1600" i="1" dirty="0">
+              <a:rPr lang="ko-KR" altLang="en-US" sz="1400" i="1" dirty="0">
                 <a:solidFill>
                   <a:schemeClr val="tx1">
                     <a:lumMod val="85000"/>
@@ -7011,7 +7120,7 @@
               <a:t>절제</a:t>
             </a:r>
             <a:r>
-              <a:rPr lang="en-US" altLang="ko-KR" sz="1600" i="1" dirty="0">
+              <a:rPr lang="en-US" altLang="ko-KR" sz="1400" i="1" dirty="0">
                 <a:solidFill>
                   <a:schemeClr val="tx1">
                     <a:lumMod val="85000"/>
@@ -7021,7 +7130,7 @@
               <a:t>-</a:t>
             </a:r>
             <a:r>
-              <a:rPr lang="ko-KR" altLang="en-US" sz="1600" i="1" dirty="0">
+              <a:rPr lang="ko-KR" altLang="en-US" sz="1400" i="1" dirty="0">
                 <a:solidFill>
                   <a:schemeClr val="tx1">
                     <a:lumMod val="85000"/>
@@ -7030,7 +7139,7 @@
               </a:rPr>
               <a:t>조절</a:t>
             </a:r>
-            <a:endParaRPr lang="en-US" altLang="ko-KR" sz="1600" i="1" dirty="0">
+            <a:endParaRPr lang="en-US" altLang="ko-KR" sz="1400" i="1" dirty="0">
               <a:solidFill>
                 <a:schemeClr val="tx1">
                   <a:lumMod val="85000"/>
@@ -7041,7 +7150,7 @@
           <a:p>
             <a:pPr algn="ctr"/>
             <a:r>
-              <a:rPr lang="en-US" altLang="ko-KR" dirty="0">
+              <a:rPr lang="en-US" altLang="ko-KR" sz="1600" dirty="0">
                 <a:solidFill>
                   <a:schemeClr val="tx1">
                     <a:lumMod val="85000"/>
@@ -7051,7 +7160,7 @@
               <a:t>6-</a:t>
             </a:r>
             <a:r>
-              <a:rPr lang="ko-KR" altLang="en-US" dirty="0">
+              <a:rPr lang="ko-KR" altLang="en-US" sz="1600" dirty="0">
                 <a:solidFill>
                   <a:schemeClr val="tx1">
                     <a:lumMod val="85000"/>
@@ -7061,7 +7170,7 @@
               <a:t> </a:t>
             </a:r>
             <a:r>
-              <a:rPr lang="en-US" altLang="ko-KR" dirty="0">
+              <a:rPr lang="en-US" altLang="ko-KR" sz="1600" dirty="0">
                 <a:solidFill>
                   <a:schemeClr val="tx1">
                     <a:lumMod val="85000"/>
@@ -7071,7 +7180,7 @@
               <a:t>: </a:t>
             </a:r>
             <a:r>
-              <a:rPr lang="ko-KR" altLang="en-US" dirty="0">
+              <a:rPr lang="ko-KR" altLang="en-US" sz="1600" dirty="0">
                 <a:solidFill>
                   <a:schemeClr val="tx1">
                     <a:lumMod val="85000"/>
@@ -7081,7 +7190,7 @@
               <a:t>실패</a:t>
             </a:r>
             <a:r>
-              <a:rPr lang="en-US" altLang="ko-KR" dirty="0">
+              <a:rPr lang="en-US" altLang="ko-KR" sz="1600" dirty="0">
                 <a:solidFill>
                   <a:schemeClr val="tx1">
                     <a:lumMod val="85000"/>
@@ -7091,7 +7200,7 @@
               <a:t>, 7~9 : </a:t>
             </a:r>
             <a:r>
-              <a:rPr lang="ko-KR" altLang="en-US" dirty="0">
+              <a:rPr lang="ko-KR" altLang="en-US" sz="1600" dirty="0">
                 <a:solidFill>
                   <a:schemeClr val="tx1">
                     <a:lumMod val="85000"/>
@@ -7101,7 +7210,7 @@
               <a:t>부분 성공</a:t>
             </a:r>
             <a:r>
-              <a:rPr lang="en-US" altLang="ko-KR" dirty="0">
+              <a:rPr lang="en-US" altLang="ko-KR" sz="1600" dirty="0">
                 <a:solidFill>
                   <a:schemeClr val="tx1">
                     <a:lumMod val="85000"/>
@@ -7111,7 +7220,7 @@
               <a:t>, 10+ : </a:t>
             </a:r>
             <a:r>
-              <a:rPr lang="ko-KR" altLang="en-US" dirty="0">
+              <a:rPr lang="ko-KR" altLang="en-US" sz="1600" dirty="0">
                 <a:solidFill>
                   <a:schemeClr val="tx1">
                     <a:lumMod val="85000"/>
@@ -7120,7 +7229,7 @@
               </a:rPr>
               <a:t>성공</a:t>
             </a:r>
-            <a:endParaRPr lang="en-US" altLang="ko-KR" dirty="0">
+            <a:endParaRPr lang="en-US" altLang="ko-KR" sz="1600" dirty="0">
               <a:solidFill>
                 <a:schemeClr val="tx1">
                   <a:lumMod val="85000"/>
@@ -7132,10 +7241,10 @@
       </p:sp>
       <p:graphicFrame>
         <p:nvGraphicFramePr>
-          <p:cNvPr id="20" name="표 3">
-            <a:extLst>
-              <a:ext uri="{FF2B5EF4-FFF2-40B4-BE49-F238E27FC236}">
-                <a16:creationId xmlns:a16="http://schemas.microsoft.com/office/drawing/2014/main" id="{96825C64-FBE3-4D57-B758-3C98EBC556C3}"/>
+          <p:cNvPr id="60" name="표 3">
+            <a:extLst>
+              <a:ext uri="{FF2B5EF4-FFF2-40B4-BE49-F238E27FC236}">
+                <a16:creationId xmlns:a16="http://schemas.microsoft.com/office/drawing/2014/main" id="{88DB406D-C650-46A7-B5A3-32F944A439CC}"/>
               </a:ext>
             </a:extLst>
           </p:cNvPr>
@@ -7145,13 +7254,13 @@
           <p:nvPr userDrawn="1">
             <p:extLst>
               <p:ext uri="{D42A27DB-BD31-4B8C-83A1-F6EECF244321}">
-                <p14:modId xmlns:p14="http://schemas.microsoft.com/office/powerpoint/2010/main" val="2889424969"/>
+                <p14:modId xmlns:p14="http://schemas.microsoft.com/office/powerpoint/2010/main" val="3010994888"/>
               </p:ext>
             </p:extLst>
           </p:nvPr>
         </p:nvGraphicFramePr>
         <p:xfrm>
-          <a:off x="6390078" y="4166139"/>
+          <a:off x="6390078" y="3817570"/>
           <a:ext cx="5474403" cy="730340"/>
         </p:xfrm>
         <a:graphic>
@@ -7461,10 +7570,10 @@
       </p:graphicFrame>
       <p:sp>
         <p:nvSpPr>
-          <p:cNvPr id="21" name="TextBox 20">
-            <a:extLst>
-              <a:ext uri="{FF2B5EF4-FFF2-40B4-BE49-F238E27FC236}">
-                <a16:creationId xmlns:a16="http://schemas.microsoft.com/office/drawing/2014/main" id="{2437A4DB-1933-4A2D-B8E9-E22B65068D34}"/>
+          <p:cNvPr id="61" name="TextBox 60">
+            <a:extLst>
+              <a:ext uri="{FF2B5EF4-FFF2-40B4-BE49-F238E27FC236}">
+                <a16:creationId xmlns:a16="http://schemas.microsoft.com/office/drawing/2014/main" id="{538FF0F3-E79D-491F-BFFA-8CCF2220E65D}"/>
               </a:ext>
             </a:extLst>
           </p:cNvPr>
@@ -7473,7 +7582,7 @@
         </p:nvSpPr>
         <p:spPr>
           <a:xfrm>
-            <a:off x="6280085" y="4989099"/>
+            <a:off x="6280085" y="4566611"/>
             <a:ext cx="5746164" cy="369332"/>
           </a:xfrm>
           <a:prstGeom prst="rect">
@@ -7510,10 +7619,10 @@
       </p:sp>
       <p:graphicFrame>
         <p:nvGraphicFramePr>
-          <p:cNvPr id="22" name="표 3">
-            <a:extLst>
-              <a:ext uri="{FF2B5EF4-FFF2-40B4-BE49-F238E27FC236}">
-                <a16:creationId xmlns:a16="http://schemas.microsoft.com/office/drawing/2014/main" id="{F9FE8AE2-A02C-435F-8B27-A7696D4D287A}"/>
+          <p:cNvPr id="62" name="표 3">
+            <a:extLst>
+              <a:ext uri="{FF2B5EF4-FFF2-40B4-BE49-F238E27FC236}">
+                <a16:creationId xmlns:a16="http://schemas.microsoft.com/office/drawing/2014/main" id="{078AA518-1E66-4E46-AF63-8349D988C925}"/>
               </a:ext>
             </a:extLst>
           </p:cNvPr>
@@ -7523,13 +7632,13 @@
           <p:nvPr userDrawn="1">
             <p:extLst>
               <p:ext uri="{D42A27DB-BD31-4B8C-83A1-F6EECF244321}">
-                <p14:modId xmlns:p14="http://schemas.microsoft.com/office/powerpoint/2010/main" val="3407769374"/>
+                <p14:modId xmlns:p14="http://schemas.microsoft.com/office/powerpoint/2010/main" val="1647755028"/>
               </p:ext>
             </p:extLst>
           </p:nvPr>
         </p:nvGraphicFramePr>
         <p:xfrm>
-          <a:off x="6676662" y="5353955"/>
+          <a:off x="6676662" y="4916698"/>
           <a:ext cx="4695609" cy="730340"/>
         </p:xfrm>
         <a:graphic>
@@ -7776,10 +7885,10 @@
       </p:graphicFrame>
       <p:sp>
         <p:nvSpPr>
-          <p:cNvPr id="24" name="TextBox 23">
-            <a:extLst>
-              <a:ext uri="{FF2B5EF4-FFF2-40B4-BE49-F238E27FC236}">
-                <a16:creationId xmlns:a16="http://schemas.microsoft.com/office/drawing/2014/main" id="{2C2E7BCC-A507-4736-82A0-AD67B7B27856}"/>
+          <p:cNvPr id="63" name="TextBox 62">
+            <a:extLst>
+              <a:ext uri="{FF2B5EF4-FFF2-40B4-BE49-F238E27FC236}">
+                <a16:creationId xmlns:a16="http://schemas.microsoft.com/office/drawing/2014/main" id="{375E161B-A28E-4B25-9552-BC29DD97FA60}"/>
               </a:ext>
             </a:extLst>
           </p:cNvPr>
@@ -7788,8 +7897,8 @@
         </p:nvSpPr>
         <p:spPr>
           <a:xfrm>
-            <a:off x="1904890" y="131715"/>
-            <a:ext cx="2870310" cy="707886"/>
+            <a:off x="227501" y="5951347"/>
+            <a:ext cx="6225088" cy="830997"/>
           </a:xfrm>
           <a:prstGeom prst="rect">
             <a:avLst/>
@@ -7802,22 +7911,432 @@
           </a:bodyPr>
           <a:lstStyle/>
           <a:p>
-            <a:pPr algn="ctr"/>
-            <a:r>
-              <a:rPr lang="ko-KR" altLang="en-US" sz="4000" b="1" dirty="0">
-                <a:solidFill>
-                  <a:schemeClr val="tx1">
-                    <a:lumMod val="85000"/>
-                    <a:lumOff val="15000"/>
-                  </a:schemeClr>
-                </a:solidFill>
-              </a:rPr>
-              <a:t>플레이어</a:t>
-            </a:r>
-            <a:endParaRPr lang="ko-KR" altLang="en-US" sz="4000" dirty="0"/>
+            <a:r>
+              <a:rPr lang="ko-KR" altLang="en-US" sz="1600" dirty="0">
+                <a:solidFill>
+                  <a:schemeClr val="bg1">
+                    <a:lumMod val="95000"/>
+                  </a:schemeClr>
+                </a:solidFill>
+              </a:rPr>
+              <a:t>한 두시간 정도의 적당한 휴식</a:t>
+            </a:r>
+            <a:endParaRPr lang="en-US" altLang="ko-KR" sz="1600" dirty="0">
+              <a:solidFill>
+                <a:schemeClr val="bg1">
+                  <a:lumMod val="95000"/>
+                </a:schemeClr>
+              </a:solidFill>
+            </a:endParaRPr>
+          </a:p>
+          <a:p>
+            <a:r>
+              <a:rPr lang="en-US" altLang="ko-KR" sz="1600" dirty="0">
+                <a:solidFill>
+                  <a:schemeClr val="bg1">
+                    <a:lumMod val="95000"/>
+                  </a:schemeClr>
+                </a:solidFill>
+              </a:rPr>
+              <a:t>10+</a:t>
+            </a:r>
+            <a:r>
+              <a:rPr lang="ko-KR" altLang="en-US" sz="1600" b="1" dirty="0">
+                <a:solidFill>
+                  <a:schemeClr val="bg1">
+                    <a:lumMod val="95000"/>
+                  </a:schemeClr>
+                </a:solidFill>
+              </a:rPr>
+              <a:t>본능</a:t>
+            </a:r>
+            <a:r>
+              <a:rPr lang="en-US" altLang="ko-KR" sz="1600" dirty="0">
+                <a:solidFill>
+                  <a:schemeClr val="bg1">
+                    <a:lumMod val="95000"/>
+                  </a:schemeClr>
+                </a:solidFill>
+              </a:rPr>
+              <a:t>*2</a:t>
+            </a:r>
+            <a:r>
+              <a:rPr lang="ko-KR" altLang="en-US" sz="1600" dirty="0">
+                <a:solidFill>
+                  <a:schemeClr val="bg1">
+                    <a:lumMod val="95000"/>
+                  </a:schemeClr>
+                </a:solidFill>
+              </a:rPr>
+              <a:t>만큼 </a:t>
+            </a:r>
+            <a:r>
+              <a:rPr lang="ko-KR" altLang="en-US" sz="1600" b="1" dirty="0">
+                <a:solidFill>
+                  <a:schemeClr val="bg1">
+                    <a:lumMod val="95000"/>
+                  </a:schemeClr>
+                </a:solidFill>
+              </a:rPr>
+              <a:t>체력</a:t>
+            </a:r>
+            <a:r>
+              <a:rPr lang="ko-KR" altLang="en-US" sz="1600" dirty="0">
+                <a:solidFill>
+                  <a:schemeClr val="bg1">
+                    <a:lumMod val="95000"/>
+                  </a:schemeClr>
+                </a:solidFill>
+              </a:rPr>
+              <a:t> 회복</a:t>
+            </a:r>
+            <a:r>
+              <a:rPr lang="en-US" altLang="ko-KR" sz="1600" dirty="0">
+                <a:solidFill>
+                  <a:schemeClr val="bg1">
+                    <a:lumMod val="95000"/>
+                  </a:schemeClr>
+                </a:solidFill>
+              </a:rPr>
+              <a:t>.	</a:t>
+            </a:r>
+            <a:r>
+              <a:rPr lang="ko-KR" altLang="en-US" sz="1600" b="1" dirty="0">
+                <a:solidFill>
+                  <a:schemeClr val="bg1">
+                    <a:lumMod val="95000"/>
+                  </a:schemeClr>
+                </a:solidFill>
+              </a:rPr>
+              <a:t>흐트러짐 저항 모두 </a:t>
+            </a:r>
+            <a:r>
+              <a:rPr lang="ko-KR" altLang="en-US" sz="1600" dirty="0">
+                <a:solidFill>
+                  <a:schemeClr val="bg1">
+                    <a:lumMod val="95000"/>
+                  </a:schemeClr>
+                </a:solidFill>
+              </a:rPr>
+              <a:t>회복</a:t>
+            </a:r>
+            <a:r>
+              <a:rPr lang="en-US" altLang="ko-KR" sz="1600" dirty="0">
+                <a:solidFill>
+                  <a:schemeClr val="bg1">
+                    <a:lumMod val="95000"/>
+                  </a:schemeClr>
+                </a:solidFill>
+              </a:rPr>
+              <a:t>.</a:t>
+            </a:r>
+          </a:p>
+          <a:p>
+            <a:r>
+              <a:rPr lang="en-US" altLang="ko-KR" sz="1600" dirty="0">
+                <a:solidFill>
+                  <a:schemeClr val="bg1">
+                    <a:lumMod val="95000"/>
+                  </a:schemeClr>
+                </a:solidFill>
+              </a:rPr>
+              <a:t>3+</a:t>
+            </a:r>
+            <a:r>
+              <a:rPr lang="ko-KR" altLang="en-US" sz="1600" b="1" dirty="0">
+                <a:solidFill>
+                  <a:schemeClr val="bg1">
+                    <a:lumMod val="95000"/>
+                  </a:schemeClr>
+                </a:solidFill>
+              </a:rPr>
+              <a:t>지혜</a:t>
+            </a:r>
+            <a:r>
+              <a:rPr lang="ko-KR" altLang="en-US" sz="1600" dirty="0">
+                <a:solidFill>
+                  <a:schemeClr val="bg1">
+                    <a:lumMod val="95000"/>
+                  </a:schemeClr>
+                </a:solidFill>
+              </a:rPr>
+              <a:t>만큼 </a:t>
+            </a:r>
+            <a:r>
+              <a:rPr lang="ko-KR" altLang="en-US" sz="1600" b="1" dirty="0">
+                <a:solidFill>
+                  <a:schemeClr val="bg1">
+                    <a:lumMod val="95000"/>
+                  </a:schemeClr>
+                </a:solidFill>
+              </a:rPr>
+              <a:t>정신력</a:t>
+            </a:r>
+            <a:r>
+              <a:rPr lang="ko-KR" altLang="en-US" sz="1600" dirty="0">
+                <a:solidFill>
+                  <a:schemeClr val="bg1">
+                    <a:lumMod val="95000"/>
+                  </a:schemeClr>
+                </a:solidFill>
+              </a:rPr>
+              <a:t> 회복</a:t>
+            </a:r>
+            <a:r>
+              <a:rPr lang="en-US" altLang="ko-KR" sz="1600" dirty="0">
+                <a:solidFill>
+                  <a:schemeClr val="bg1">
+                    <a:lumMod val="95000"/>
+                  </a:schemeClr>
+                </a:solidFill>
+              </a:rPr>
+              <a:t>.	</a:t>
+            </a:r>
+            <a:r>
+              <a:rPr lang="ko-KR" altLang="en-US" sz="1600" b="1" dirty="0">
+                <a:solidFill>
+                  <a:schemeClr val="bg1">
+                    <a:lumMod val="95000"/>
+                  </a:schemeClr>
+                </a:solidFill>
+              </a:rPr>
+              <a:t>빛</a:t>
+            </a:r>
+            <a:r>
+              <a:rPr lang="ko-KR" altLang="en-US" sz="1600" dirty="0">
+                <a:solidFill>
+                  <a:schemeClr val="bg1">
+                    <a:lumMod val="95000"/>
+                  </a:schemeClr>
+                </a:solidFill>
+              </a:rPr>
+              <a:t> </a:t>
+            </a:r>
+            <a:r>
+              <a:rPr lang="en-US" altLang="ko-KR" sz="1600" dirty="0">
+                <a:solidFill>
+                  <a:schemeClr val="bg1">
+                    <a:lumMod val="95000"/>
+                  </a:schemeClr>
+                </a:solidFill>
+              </a:rPr>
+              <a:t>1 </a:t>
+            </a:r>
+            <a:r>
+              <a:rPr lang="ko-KR" altLang="en-US" sz="1600" dirty="0">
+                <a:solidFill>
+                  <a:schemeClr val="bg1">
+                    <a:lumMod val="95000"/>
+                  </a:schemeClr>
+                </a:solidFill>
+              </a:rPr>
+              <a:t>회복</a:t>
+            </a:r>
+            <a:endParaRPr lang="en-US" altLang="ko-KR" sz="1600" dirty="0">
+              <a:solidFill>
+                <a:schemeClr val="bg1">
+                  <a:lumMod val="95000"/>
+                </a:schemeClr>
+              </a:solidFill>
+            </a:endParaRPr>
           </a:p>
         </p:txBody>
       </p:sp>
+      <p:sp>
+        <p:nvSpPr>
+          <p:cNvPr id="64" name="TextBox 63">
+            <a:extLst>
+              <a:ext uri="{FF2B5EF4-FFF2-40B4-BE49-F238E27FC236}">
+                <a16:creationId xmlns:a16="http://schemas.microsoft.com/office/drawing/2014/main" id="{9028AC54-38E1-47CA-8FAA-4DD95B17E3E4}"/>
+              </a:ext>
+            </a:extLst>
+          </p:cNvPr>
+          <p:cNvSpPr txBox="1"/>
+          <p:nvPr userDrawn="1"/>
+        </p:nvSpPr>
+        <p:spPr>
+          <a:xfrm>
+            <a:off x="6399528" y="6019920"/>
+            <a:ext cx="5618032" cy="646331"/>
+          </a:xfrm>
+          <a:prstGeom prst="rect">
+            <a:avLst/>
+          </a:prstGeom>
+          <a:noFill/>
+        </p:spPr>
+        <p:txBody>
+          <a:bodyPr wrap="square">
+            <a:spAutoFit/>
+          </a:bodyPr>
+          <a:lstStyle/>
+          <a:p>
+            <a:r>
+              <a:rPr lang="ko-KR" altLang="en-US" sz="1800" dirty="0">
+                <a:solidFill>
+                  <a:schemeClr val="bg1">
+                    <a:lumMod val="95000"/>
+                  </a:schemeClr>
+                </a:solidFill>
+              </a:rPr>
+              <a:t>하루정도의 충분한 휴식</a:t>
+            </a:r>
+            <a:br>
+              <a:rPr lang="en-US" altLang="ko-KR" sz="1800" dirty="0">
+                <a:solidFill>
+                  <a:schemeClr val="bg1">
+                    <a:lumMod val="95000"/>
+                  </a:schemeClr>
+                </a:solidFill>
+              </a:rPr>
+            </a:br>
+            <a:r>
+              <a:rPr lang="en-US" altLang="ko-KR" sz="1800" dirty="0">
+                <a:solidFill>
+                  <a:schemeClr val="bg1">
+                    <a:lumMod val="95000"/>
+                  </a:schemeClr>
+                </a:solidFill>
+              </a:rPr>
+              <a:t>      </a:t>
+            </a:r>
+            <a:r>
+              <a:rPr lang="ko-KR" altLang="en-US" sz="1800" b="1" dirty="0">
+                <a:solidFill>
+                  <a:schemeClr val="bg1">
+                    <a:lumMod val="95000"/>
+                  </a:schemeClr>
+                </a:solidFill>
+              </a:rPr>
+              <a:t>체력</a:t>
+            </a:r>
+            <a:r>
+              <a:rPr lang="en-US" altLang="ko-KR" sz="1800" b="1" dirty="0">
+                <a:solidFill>
+                  <a:schemeClr val="bg1">
+                    <a:lumMod val="95000"/>
+                  </a:schemeClr>
+                </a:solidFill>
+              </a:rPr>
+              <a:t>, </a:t>
+            </a:r>
+            <a:r>
+              <a:rPr lang="ko-KR" altLang="en-US" sz="1800" b="1" dirty="0">
+                <a:solidFill>
+                  <a:schemeClr val="bg1">
+                    <a:lumMod val="95000"/>
+                  </a:schemeClr>
+                </a:solidFill>
+              </a:rPr>
+              <a:t>흐트러짐 저항</a:t>
+            </a:r>
+            <a:r>
+              <a:rPr lang="en-US" altLang="ko-KR" sz="1800" b="1" dirty="0">
+                <a:solidFill>
+                  <a:schemeClr val="bg1">
+                    <a:lumMod val="95000"/>
+                  </a:schemeClr>
+                </a:solidFill>
+              </a:rPr>
+              <a:t>, </a:t>
+            </a:r>
+            <a:r>
+              <a:rPr lang="ko-KR" altLang="en-US" sz="1800" b="1" dirty="0">
+                <a:solidFill>
+                  <a:schemeClr val="bg1">
+                    <a:lumMod val="95000"/>
+                  </a:schemeClr>
+                </a:solidFill>
+              </a:rPr>
+              <a:t>정신력</a:t>
+            </a:r>
+            <a:r>
+              <a:rPr lang="en-US" altLang="ko-KR" sz="1800" b="1" dirty="0">
+                <a:solidFill>
+                  <a:schemeClr val="bg1">
+                    <a:lumMod val="95000"/>
+                  </a:schemeClr>
+                </a:solidFill>
+              </a:rPr>
+              <a:t>, </a:t>
+            </a:r>
+            <a:r>
+              <a:rPr lang="ko-KR" altLang="en-US" sz="1800" b="1" dirty="0">
+                <a:solidFill>
+                  <a:schemeClr val="bg1">
+                    <a:lumMod val="95000"/>
+                  </a:schemeClr>
+                </a:solidFill>
+              </a:rPr>
+              <a:t>빛</a:t>
+            </a:r>
+            <a:r>
+              <a:rPr lang="ko-KR" altLang="en-US" sz="1800" dirty="0">
+                <a:solidFill>
+                  <a:schemeClr val="bg1">
+                    <a:lumMod val="95000"/>
+                  </a:schemeClr>
+                </a:solidFill>
+              </a:rPr>
+              <a:t> 모두 회복</a:t>
+            </a:r>
+            <a:r>
+              <a:rPr lang="en-US" altLang="ko-KR" sz="1800" dirty="0">
+                <a:solidFill>
+                  <a:schemeClr val="bg1">
+                    <a:lumMod val="95000"/>
+                  </a:schemeClr>
+                </a:solidFill>
+              </a:rPr>
+              <a:t>.</a:t>
+            </a:r>
+          </a:p>
+        </p:txBody>
+      </p:sp>
+      <p:cxnSp>
+        <p:nvCxnSpPr>
+          <p:cNvPr id="65" name="직선 연결선 64">
+            <a:extLst>
+              <a:ext uri="{FF2B5EF4-FFF2-40B4-BE49-F238E27FC236}">
+                <a16:creationId xmlns:a16="http://schemas.microsoft.com/office/drawing/2014/main" id="{73238ADF-1515-4C4C-9E53-F96D7DB08C15}"/>
+              </a:ext>
+            </a:extLst>
+          </p:cNvPr>
+          <p:cNvCxnSpPr>
+            <a:cxnSpLocks/>
+            <a:stCxn id="45" idx="0"/>
+            <a:endCxn id="45" idx="2"/>
+          </p:cNvCxnSpPr>
+          <p:nvPr userDrawn="1"/>
+        </p:nvCxnSpPr>
+        <p:spPr>
+          <a:xfrm>
+            <a:off x="6096000" y="5894531"/>
+            <a:ext cx="0" cy="973352"/>
+          </a:xfrm>
+          <a:prstGeom prst="line">
+            <a:avLst/>
+          </a:prstGeom>
+          <a:ln w="38100">
+            <a:solidFill>
+              <a:srgbClr val="F2F2F2"/>
+            </a:solidFill>
+          </a:ln>
+        </p:spPr>
+        <p:style>
+          <a:lnRef idx="1">
+            <a:schemeClr val="accent1"/>
+          </a:lnRef>
+          <a:fillRef idx="0">
+            <a:schemeClr val="accent1"/>
+          </a:fillRef>
+          <a:effectRef idx="0">
+            <a:schemeClr val="accent1"/>
+          </a:effectRef>
+          <a:fontRef idx="minor">
+            <a:schemeClr val="tx1"/>
+          </a:fontRef>
+        </p:style>
+      </p:cxnSp>
     </p:spTree>
     <p:extLst>
       <p:ext uri="{BB962C8B-B14F-4D97-AF65-F5344CB8AC3E}">
@@ -9009,7 +9528,7 @@
           <p:nvPr userDrawn="1">
             <p:extLst>
               <p:ext uri="{D42A27DB-BD31-4B8C-83A1-F6EECF244321}">
-                <p14:modId xmlns:p14="http://schemas.microsoft.com/office/powerpoint/2010/main" val="864388094"/>
+                <p14:modId xmlns:p14="http://schemas.microsoft.com/office/powerpoint/2010/main" val="1630649647"/>
               </p:ext>
             </p:extLst>
           </p:nvPr>
@@ -9102,11 +9621,11 @@
                       </a:r>
                       <a:r>
                         <a:rPr lang="en-US" altLang="ko-KR" sz="1400" b="0" dirty="0"/>
-                        <a:t>, </a:t>
+                        <a:t> </a:t>
                       </a:r>
                       <a:r>
                         <a:rPr lang="ko-KR" altLang="en-US" sz="1400" b="0" dirty="0"/>
-                        <a:t>절반으로 감소</a:t>
+                        <a:t>후 절반으로 감소</a:t>
                       </a:r>
                       <a:r>
                         <a:rPr lang="en-US" altLang="ko-KR" sz="1400" b="0" dirty="0"/>
@@ -9162,19 +9681,23 @@
                       </a:pPr>
                       <a:r>
                         <a:rPr lang="ko-KR" altLang="en-US" sz="1400" b="0" dirty="0"/>
-                        <a:t>액션 </a:t>
+                        <a:t>액션</a:t>
                       </a:r>
                       <a:r>
                         <a:rPr lang="en-US" altLang="ko-KR" sz="1400" b="0" dirty="0"/>
-                        <a:t>/ </a:t>
+                        <a:t>/</a:t>
+                      </a:r>
+                      <a:r>
+                        <a:rPr lang="ko-KR" altLang="en-US" sz="1400" b="0" dirty="0" err="1"/>
+                        <a:t>리액션</a:t>
                       </a:r>
                       <a:r>
                         <a:rPr lang="ko-KR" altLang="en-US" sz="1400" b="0" dirty="0"/>
-                        <a:t>리액션 시 수치만큼 피해</a:t>
+                        <a:t> 시 수치만큼 피해 후</a:t>
                       </a:r>
                       <a:r>
                         <a:rPr lang="en-US" altLang="ko-KR" sz="1400" b="0" dirty="0"/>
-                        <a:t>, </a:t>
+                        <a:t> </a:t>
                       </a:r>
                       <a:r>
                         <a:rPr lang="ko-KR" altLang="en-US" sz="1400" b="0" dirty="0"/>
@@ -29227,7 +29750,7 @@
           <a:p>
             <a:fld id="{E82905C0-181C-4758-B521-0A1AC33AF7B8}" type="datetime1">
               <a:rPr lang="ko-KR" altLang="en-US" smtClean="0"/>
-              <a:t>2021-04-02</a:t>
+              <a:t>2021-04-04</a:t>
             </a:fld>
             <a:endParaRPr lang="ko-KR" altLang="en-US" dirty="0"/>
           </a:p>
@@ -34337,6 +34860,15 @@
 </file>
 
 <file path=customXml/item1.xml><?xml version="1.0" encoding="utf-8"?>
+<?mso-contentType ?>
+<FormTemplates xmlns="http://schemas.microsoft.com/sharepoint/v3/contenttype/forms">
+  <Display>DocumentLibraryForm</Display>
+  <Edit>DocumentLibraryForm</Edit>
+  <New>DocumentLibraryForm</New>
+</FormTemplates>
+</file>
+
+<file path=customXml/item2.xml><?xml version="1.0" encoding="utf-8"?>
 <ct:contentTypeSchema xmlns:ct="http://schemas.microsoft.com/office/2006/metadata/contentType" xmlns:ma="http://schemas.microsoft.com/office/2006/metadata/properties/metaAttributes" ct:_="" ma:_="" ma:contentTypeName="문서" ma:contentTypeID="0x01010038A2978751EA5A4A99CEF53FA84AA0A5" ma:contentTypeVersion="2" ma:contentTypeDescription="새 문서를 만듭니다." ma:contentTypeScope="" ma:versionID="5044ddbd44a18a5bd88835d5524c1c39">
   <xsd:schema xmlns:xsd="http://www.w3.org/2001/XMLSchema" xmlns:xs="http://www.w3.org/2001/XMLSchema" xmlns:p="http://schemas.microsoft.com/office/2006/metadata/properties" xmlns:ns3="7a556669-b9f6-4696-b260-7ff151b9728a" targetNamespace="http://schemas.microsoft.com/office/2006/metadata/properties" ma:root="true" ma:fieldsID="b36c7ebe3901b1fbeb3dc0faabb5792e" ns3:_="">
     <xsd:import namespace="7a556669-b9f6-4696-b260-7ff151b9728a"/>
@@ -34468,15 +35000,6 @@
 </ct:contentTypeSchema>
 </file>
 
-<file path=customXml/item2.xml><?xml version="1.0" encoding="utf-8"?>
-<?mso-contentType ?>
-<FormTemplates xmlns="http://schemas.microsoft.com/sharepoint/v3/contenttype/forms">
-  <Display>DocumentLibraryForm</Display>
-  <Edit>DocumentLibraryForm</Edit>
-  <New>DocumentLibraryForm</New>
-</FormTemplates>
-</file>
-
 <file path=customXml/item3.xml><?xml version="1.0" encoding="utf-8"?>
 <p:properties xmlns:p="http://schemas.microsoft.com/office/2006/metadata/properties" xmlns:xsi="http://www.w3.org/2001/XMLSchema-instance" xmlns:pc="http://schemas.microsoft.com/office/infopath/2007/PartnerControls">
   <documentManagement/>
@@ -34484,6 +35007,14 @@
 </file>
 
 <file path=customXml/itemProps1.xml><?xml version="1.0" encoding="utf-8"?>
+<ds:datastoreItem xmlns:ds="http://schemas.openxmlformats.org/officeDocument/2006/customXml" ds:itemID="{58B6FD7C-6D9F-4A7E-AE56-6E092CF6CBA3}">
+  <ds:schemaRefs>
+    <ds:schemaRef ds:uri="http://schemas.microsoft.com/sharepoint/v3/contenttype/forms"/>
+  </ds:schemaRefs>
+</ds:datastoreItem>
+</file>
+
+<file path=customXml/itemProps2.xml><?xml version="1.0" encoding="utf-8"?>
 <ds:datastoreItem xmlns:ds="http://schemas.openxmlformats.org/officeDocument/2006/customXml" ds:itemID="{5401EE66-E567-4FF3-B240-580A578BE0D0}">
   <ds:schemaRefs>
     <ds:schemaRef ds:uri="http://schemas.microsoft.com/office/2006/metadata/contentType"/>
@@ -34497,14 +35028,6 @@
     <ds:schemaRef ds:uri="http://purl.org/dc/elements/1.1/"/>
     <ds:schemaRef ds:uri="http://purl.org/dc/terms/"/>
     <ds:schemaRef ds:uri="http://schemas.microsoft.com/internal/obd"/>
-  </ds:schemaRefs>
-</ds:datastoreItem>
-</file>
-
-<file path=customXml/itemProps2.xml><?xml version="1.0" encoding="utf-8"?>
-<ds:datastoreItem xmlns:ds="http://schemas.openxmlformats.org/officeDocument/2006/customXml" ds:itemID="{58B6FD7C-6D9F-4A7E-AE56-6E092CF6CBA3}">
-  <ds:schemaRefs>
-    <ds:schemaRef ds:uri="http://schemas.microsoft.com/sharepoint/v3/contenttype/forms"/>
   </ds:schemaRefs>
 </ds:datastoreItem>
 </file>

--- a/롭티알_진행.pptx
+++ b/롭티알_진행.pptx
@@ -237,7 +237,7 @@
           <a:p>
             <a:fld id="{09B76076-15DE-4B7E-A82A-F48BDC23270C}" type="datetimeFigureOut">
               <a:rPr lang="ko-KR" altLang="en-US" smtClean="0"/>
-              <a:t>2021-04-04</a:t>
+              <a:t>2021-04-15</a:t>
             </a:fld>
             <a:endParaRPr lang="ko-KR" altLang="en-US" dirty="0"/>
           </a:p>
@@ -414,7 +414,7 @@
           <a:p>
             <a:fld id="{7D967916-D498-430A-BC28-8D3F4DCC62EC}" type="datetimeFigureOut">
               <a:rPr lang="ko-KR" altLang="en-US" smtClean="0"/>
-              <a:t>2021-04-04</a:t>
+              <a:t>2021-04-15</a:t>
             </a:fld>
             <a:endParaRPr lang="ko-KR" altLang="en-US" dirty="0"/>
           </a:p>
@@ -7938,7 +7938,7 @@
                   </a:schemeClr>
                 </a:solidFill>
               </a:rPr>
-              <a:t>10+</a:t>
+              <a:t>8+</a:t>
             </a:r>
             <a:r>
               <a:rPr lang="ko-KR" altLang="en-US" sz="1600" b="1" dirty="0">
@@ -7958,7 +7958,7 @@
                   </a:schemeClr>
                 </a:solidFill>
               </a:rPr>
-              <a:t>*2</a:t>
+              <a:t>*2+</a:t>
             </a:r>
             <a:r>
               <a:rPr lang="ko-KR" altLang="en-US" sz="1600" dirty="0">
@@ -7968,17 +7968,17 @@
                   </a:schemeClr>
                 </a:solidFill>
               </a:rPr>
-              <a:t>만큼 </a:t>
-            </a:r>
-            <a:r>
-              <a:rPr lang="ko-KR" altLang="en-US" sz="1600" b="1" dirty="0">
+              <a:t>등급</a:t>
+            </a:r>
+            <a:r>
+              <a:rPr lang="en-US" altLang="ko-KR" sz="1600" dirty="0">
                 <a:solidFill>
                   <a:schemeClr val="bg1">
                     <a:lumMod val="95000"/>
                   </a:schemeClr>
                 </a:solidFill>
               </a:rPr>
-              <a:t>체력</a:t>
+              <a:t>*2</a:t>
             </a:r>
             <a:r>
               <a:rPr lang="ko-KR" altLang="en-US" sz="1600" dirty="0">
@@ -7988,79 +7988,79 @@
                   </a:schemeClr>
                 </a:solidFill>
               </a:rPr>
-              <a:t> 회복</a:t>
-            </a:r>
-            <a:r>
-              <a:rPr lang="en-US" altLang="ko-KR" sz="1600" dirty="0">
+              <a:t>만큼 </a:t>
+            </a:r>
+            <a:r>
+              <a:rPr lang="ko-KR" altLang="en-US" sz="1600" b="1" dirty="0">
                 <a:solidFill>
                   <a:schemeClr val="bg1">
                     <a:lumMod val="95000"/>
                   </a:schemeClr>
                 </a:solidFill>
               </a:rPr>
-              <a:t>.	</a:t>
-            </a:r>
-            <a:r>
-              <a:rPr lang="ko-KR" altLang="en-US" sz="1600" b="1" dirty="0">
+              <a:t>체력</a:t>
+            </a:r>
+            <a:r>
+              <a:rPr lang="ko-KR" altLang="en-US" sz="1600" dirty="0">
                 <a:solidFill>
                   <a:schemeClr val="bg1">
                     <a:lumMod val="95000"/>
                   </a:schemeClr>
                 </a:solidFill>
               </a:rPr>
-              <a:t>흐트러짐 저항 모두 </a:t>
-            </a:r>
-            <a:r>
-              <a:rPr lang="ko-KR" altLang="en-US" sz="1600" dirty="0">
+              <a:t> 회복</a:t>
+            </a:r>
+            <a:r>
+              <a:rPr lang="en-US" altLang="ko-KR" sz="1600" dirty="0">
                 <a:solidFill>
                   <a:schemeClr val="bg1">
                     <a:lumMod val="95000"/>
                   </a:schemeClr>
                 </a:solidFill>
               </a:rPr>
-              <a:t>회복</a:t>
-            </a:r>
-            <a:r>
-              <a:rPr lang="en-US" altLang="ko-KR" sz="1600" dirty="0">
+              <a:t>.	</a:t>
+            </a:r>
+            <a:r>
+              <a:rPr lang="ko-KR" altLang="en-US" sz="1600" b="1" dirty="0">
                 <a:solidFill>
                   <a:schemeClr val="bg1">
                     <a:lumMod val="95000"/>
                   </a:schemeClr>
                 </a:solidFill>
               </a:rPr>
-              <a:t>.</a:t>
-            </a:r>
-          </a:p>
-          <a:p>
-            <a:r>
-              <a:rPr lang="en-US" altLang="ko-KR" sz="1600" dirty="0">
+              <a:t>흐트러짐 저항 모두 </a:t>
+            </a:r>
+            <a:r>
+              <a:rPr lang="ko-KR" altLang="en-US" sz="1600" dirty="0">
                 <a:solidFill>
                   <a:schemeClr val="bg1">
                     <a:lumMod val="95000"/>
                   </a:schemeClr>
                 </a:solidFill>
               </a:rPr>
-              <a:t>3+</a:t>
-            </a:r>
-            <a:r>
-              <a:rPr lang="ko-KR" altLang="en-US" sz="1600" b="1" dirty="0">
+              <a:t>회복</a:t>
+            </a:r>
+            <a:r>
+              <a:rPr lang="en-US" altLang="ko-KR" sz="1600" dirty="0">
                 <a:solidFill>
                   <a:schemeClr val="bg1">
                     <a:lumMod val="95000"/>
                   </a:schemeClr>
                 </a:solidFill>
               </a:rPr>
-              <a:t>지혜</a:t>
-            </a:r>
-            <a:r>
-              <a:rPr lang="ko-KR" altLang="en-US" sz="1600" dirty="0">
+              <a:t>.</a:t>
+            </a:r>
+          </a:p>
+          <a:p>
+            <a:r>
+              <a:rPr lang="en-US" altLang="ko-KR" sz="1600" dirty="0">
                 <a:solidFill>
                   <a:schemeClr val="bg1">
                     <a:lumMod val="95000"/>
                   </a:schemeClr>
                 </a:solidFill>
               </a:rPr>
-              <a:t>만큼 </a:t>
+              <a:t>3+</a:t>
             </a:r>
             <a:r>
               <a:rPr lang="ko-KR" altLang="en-US" sz="1600" b="1" dirty="0">
@@ -8070,7 +8070,7 @@
                   </a:schemeClr>
                 </a:solidFill>
               </a:rPr>
-              <a:t>정신력</a:t>
+              <a:t>지혜</a:t>
             </a:r>
             <a:r>
               <a:rPr lang="ko-KR" altLang="en-US" sz="1600" dirty="0">
@@ -8080,17 +8080,37 @@
                   </a:schemeClr>
                 </a:solidFill>
               </a:rPr>
-              <a:t> 회복</a:t>
-            </a:r>
-            <a:r>
-              <a:rPr lang="en-US" altLang="ko-KR" sz="1600" dirty="0">
+              <a:t>만큼 </a:t>
+            </a:r>
+            <a:r>
+              <a:rPr lang="ko-KR" altLang="en-US" sz="1600" b="1" dirty="0">
                 <a:solidFill>
                   <a:schemeClr val="bg1">
                     <a:lumMod val="95000"/>
                   </a:schemeClr>
                 </a:solidFill>
               </a:rPr>
-              <a:t>.	</a:t>
+              <a:t>정신력</a:t>
+            </a:r>
+            <a:r>
+              <a:rPr lang="ko-KR" altLang="en-US" sz="1600" dirty="0">
+                <a:solidFill>
+                  <a:schemeClr val="bg1">
+                    <a:lumMod val="95000"/>
+                  </a:schemeClr>
+                </a:solidFill>
+              </a:rPr>
+              <a:t> 회복</a:t>
+            </a:r>
+            <a:r>
+              <a:rPr lang="en-US" altLang="ko-KR" sz="1600" dirty="0">
+                <a:solidFill>
+                  <a:schemeClr val="bg1">
+                    <a:lumMod val="95000"/>
+                  </a:schemeClr>
+                </a:solidFill>
+              </a:rPr>
+              <a:t>.		</a:t>
             </a:r>
             <a:r>
               <a:rPr lang="ko-KR" altLang="en-US" sz="1600" b="1" dirty="0">
@@ -8156,8 +8176,8 @@
         </p:nvSpPr>
         <p:spPr>
           <a:xfrm>
-            <a:off x="6399528" y="6019920"/>
-            <a:ext cx="5618032" cy="646331"/>
+            <a:off x="6676662" y="6019920"/>
+            <a:ext cx="5340898" cy="646331"/>
           </a:xfrm>
           <a:prstGeom prst="rect">
             <a:avLst/>
@@ -8303,14 +8323,12 @@
           </p:cNvPr>
           <p:cNvCxnSpPr>
             <a:cxnSpLocks/>
-            <a:stCxn id="45" idx="0"/>
-            <a:endCxn id="45" idx="2"/>
           </p:cNvCxnSpPr>
           <p:nvPr userDrawn="1"/>
         </p:nvCxnSpPr>
         <p:spPr>
           <a:xfrm>
-            <a:off x="6096000" y="5894531"/>
+            <a:off x="6573968" y="5894531"/>
             <a:ext cx="0" cy="973352"/>
           </a:xfrm>
           <a:prstGeom prst="line">
@@ -10353,7 +10371,7 @@
                   </a:schemeClr>
                 </a:solidFill>
               </a:rPr>
-              <a:t>별다른 언급이 없다면 라운드 종료 시 상태이상이 사라지게 됨</a:t>
+              <a:t>충전은 효과가 없는 자원으로 취급</a:t>
             </a:r>
             <a:r>
               <a:rPr lang="en-US" altLang="ko-KR" sz="1400" dirty="0">
@@ -10376,7 +10394,7 @@
                   </a:schemeClr>
                 </a:solidFill>
               </a:rPr>
-              <a:t>충전은 효과가 없으며</a:t>
+              <a:t>화상</a:t>
             </a:r>
             <a:r>
               <a:rPr lang="en-US" altLang="ko-KR" sz="1400" dirty="0">
@@ -10396,7 +10414,47 @@
                   </a:schemeClr>
                 </a:solidFill>
               </a:rPr>
-              <a:t>사라지지 않음</a:t>
+              <a:t>연기</a:t>
+            </a:r>
+            <a:r>
+              <a:rPr lang="en-US" altLang="ko-KR" sz="1400" dirty="0">
+                <a:solidFill>
+                  <a:schemeClr val="tx1">
+                    <a:lumMod val="85000"/>
+                  </a:schemeClr>
+                </a:solidFill>
+              </a:rPr>
+              <a:t>, </a:t>
+            </a:r>
+            <a:r>
+              <a:rPr lang="ko-KR" altLang="en-US" sz="1400" dirty="0">
+                <a:solidFill>
+                  <a:schemeClr val="tx1">
+                    <a:lumMod val="85000"/>
+                  </a:schemeClr>
+                </a:solidFill>
+              </a:rPr>
+              <a:t>충전을 제외한 상태이상은</a:t>
+            </a:r>
+            <a:r>
+              <a:rPr lang="en-US" altLang="ko-KR" sz="1400" dirty="0">
+                <a:solidFill>
+                  <a:schemeClr val="tx1">
+                    <a:lumMod val="85000"/>
+                  </a:schemeClr>
+                </a:solidFill>
+              </a:rPr>
+              <a:t> </a:t>
+            </a:r>
+            <a:r>
+              <a:rPr lang="ko-KR" altLang="en-US" sz="1400" dirty="0">
+                <a:solidFill>
+                  <a:schemeClr val="tx1">
+                    <a:lumMod val="85000"/>
+                  </a:schemeClr>
+                </a:solidFill>
+              </a:rPr>
+              <a:t>라운드 종료 시 사라짐</a:t>
             </a:r>
             <a:r>
               <a:rPr lang="en-US" altLang="ko-KR" sz="1400" dirty="0">
@@ -29750,7 +29808,7 @@
           <a:p>
             <a:fld id="{E82905C0-181C-4758-B521-0A1AC33AF7B8}" type="datetime1">
               <a:rPr lang="ko-KR" altLang="en-US" smtClean="0"/>
-              <a:t>2021-04-04</a:t>
+              <a:t>2021-04-15</a:t>
             </a:fld>
             <a:endParaRPr lang="ko-KR" altLang="en-US" dirty="0"/>
           </a:p>
@@ -34860,12 +34918,9 @@
 </file>
 
 <file path=customXml/item1.xml><?xml version="1.0" encoding="utf-8"?>
-<?mso-contentType ?>
-<FormTemplates xmlns="http://schemas.microsoft.com/sharepoint/v3/contenttype/forms">
-  <Display>DocumentLibraryForm</Display>
-  <Edit>DocumentLibraryForm</Edit>
-  <New>DocumentLibraryForm</New>
-</FormTemplates>
+<p:properties xmlns:p="http://schemas.microsoft.com/office/2006/metadata/properties" xmlns:xsi="http://www.w3.org/2001/XMLSchema-instance" xmlns:pc="http://schemas.microsoft.com/office/infopath/2007/PartnerControls">
+  <documentManagement/>
+</p:properties>
 </file>
 
 <file path=customXml/item2.xml><?xml version="1.0" encoding="utf-8"?>
@@ -35001,15 +35056,26 @@
 </file>
 
 <file path=customXml/item3.xml><?xml version="1.0" encoding="utf-8"?>
-<p:properties xmlns:p="http://schemas.microsoft.com/office/2006/metadata/properties" xmlns:xsi="http://www.w3.org/2001/XMLSchema-instance" xmlns:pc="http://schemas.microsoft.com/office/infopath/2007/PartnerControls">
-  <documentManagement/>
-</p:properties>
+<?mso-contentType ?>
+<FormTemplates xmlns="http://schemas.microsoft.com/sharepoint/v3/contenttype/forms">
+  <Display>DocumentLibraryForm</Display>
+  <Edit>DocumentLibraryForm</Edit>
+  <New>DocumentLibraryForm</New>
+</FormTemplates>
 </file>
 
 <file path=customXml/itemProps1.xml><?xml version="1.0" encoding="utf-8"?>
-<ds:datastoreItem xmlns:ds="http://schemas.openxmlformats.org/officeDocument/2006/customXml" ds:itemID="{58B6FD7C-6D9F-4A7E-AE56-6E092CF6CBA3}">
+<ds:datastoreItem xmlns:ds="http://schemas.openxmlformats.org/officeDocument/2006/customXml" ds:itemID="{F3FC7834-CB9D-4A31-B6BC-AEB80B85DAE3}">
   <ds:schemaRefs>
-    <ds:schemaRef ds:uri="http://schemas.microsoft.com/sharepoint/v3/contenttype/forms"/>
+    <ds:schemaRef ds:uri="http://purl.org/dc/elements/1.1/"/>
+    <ds:schemaRef ds:uri="http://schemas.microsoft.com/office/infopath/2007/PartnerControls"/>
+    <ds:schemaRef ds:uri="http://purl.org/dc/dcmitype/"/>
+    <ds:schemaRef ds:uri="http://schemas.microsoft.com/office/2006/metadata/properties"/>
+    <ds:schemaRef ds:uri="7a556669-b9f6-4696-b260-7ff151b9728a"/>
+    <ds:schemaRef ds:uri="http://schemas.microsoft.com/office/2006/documentManagement/types"/>
+    <ds:schemaRef ds:uri="http://www.w3.org/XML/1998/namespace"/>
+    <ds:schemaRef ds:uri="http://schemas.openxmlformats.org/package/2006/metadata/core-properties"/>
+    <ds:schemaRef ds:uri="http://purl.org/dc/terms/"/>
   </ds:schemaRefs>
 </ds:datastoreItem>
 </file>
@@ -35033,17 +35099,9 @@
 </file>
 
 <file path=customXml/itemProps3.xml><?xml version="1.0" encoding="utf-8"?>
-<ds:datastoreItem xmlns:ds="http://schemas.openxmlformats.org/officeDocument/2006/customXml" ds:itemID="{F3FC7834-CB9D-4A31-B6BC-AEB80B85DAE3}">
+<ds:datastoreItem xmlns:ds="http://schemas.openxmlformats.org/officeDocument/2006/customXml" ds:itemID="{58B6FD7C-6D9F-4A7E-AE56-6E092CF6CBA3}">
   <ds:schemaRefs>
-    <ds:schemaRef ds:uri="http://purl.org/dc/elements/1.1/"/>
-    <ds:schemaRef ds:uri="http://schemas.microsoft.com/office/infopath/2007/PartnerControls"/>
-    <ds:schemaRef ds:uri="http://purl.org/dc/dcmitype/"/>
-    <ds:schemaRef ds:uri="http://schemas.microsoft.com/office/2006/metadata/properties"/>
-    <ds:schemaRef ds:uri="7a556669-b9f6-4696-b260-7ff151b9728a"/>
-    <ds:schemaRef ds:uri="http://schemas.microsoft.com/office/2006/documentManagement/types"/>
-    <ds:schemaRef ds:uri="http://www.w3.org/XML/1998/namespace"/>
-    <ds:schemaRef ds:uri="http://schemas.openxmlformats.org/package/2006/metadata/core-properties"/>
-    <ds:schemaRef ds:uri="http://purl.org/dc/terms/"/>
+    <ds:schemaRef ds:uri="http://schemas.microsoft.com/sharepoint/v3/contenttype/forms"/>
   </ds:schemaRefs>
 </ds:datastoreItem>
 </file>
--- a/롭티알_진행.pptx
+++ b/롭티알_진행.pptx
@@ -237,7 +237,7 @@
           <a:p>
             <a:fld id="{09B76076-15DE-4B7E-A82A-F48BDC23270C}" type="datetimeFigureOut">
               <a:rPr lang="ko-KR" altLang="en-US" smtClean="0"/>
-              <a:t>2021-04-15</a:t>
+              <a:t>2021-04-29</a:t>
             </a:fld>
             <a:endParaRPr lang="ko-KR" altLang="en-US" dirty="0"/>
           </a:p>
@@ -414,7 +414,7 @@
           <a:p>
             <a:fld id="{7D967916-D498-430A-BC28-8D3F4DCC62EC}" type="datetimeFigureOut">
               <a:rPr lang="ko-KR" altLang="en-US" smtClean="0"/>
-              <a:t>2021-04-15</a:t>
+              <a:t>2021-04-29</a:t>
             </a:fld>
             <a:endParaRPr lang="ko-KR" altLang="en-US" dirty="0"/>
           </a:p>
@@ -688,20 +688,7 @@
       <p:bgPr>
         <a:blipFill dpi="0" rotWithShape="1">
           <a:blip r:embed="rId2">
-            <a:extLst>
-              <a:ext uri="{BEBA8EAE-BF5A-486C-A8C5-ECC9F3942E4B}">
-                <a14:imgProps xmlns:a14="http://schemas.microsoft.com/office/drawing/2010/main">
-                  <a14:imgLayer r:embed="rId3">
-                    <a14:imgEffect>
-                      <a14:sharpenSoften amount="-50000"/>
-                    </a14:imgEffect>
-                    <a14:imgEffect>
-                      <a14:brightnessContrast contrast="-20000"/>
-                    </a14:imgEffect>
-                  </a14:imgLayer>
-                </a14:imgProps>
-              </a:ext>
-            </a:extLst>
+            <a:lum/>
           </a:blip>
           <a:srcRect/>
           <a:stretch>
@@ -3054,7 +3041,7 @@
         <p:spPr>
           <a:xfrm>
             <a:off x="5586558" y="895785"/>
-            <a:ext cx="6319732" cy="707886"/>
+            <a:ext cx="6319732" cy="646331"/>
           </a:xfrm>
           <a:prstGeom prst="rect">
             <a:avLst/>
@@ -3069,7 +3056,7 @@
           <a:p>
             <a:pPr algn="ctr"/>
             <a:r>
-              <a:rPr lang="ko-KR" altLang="en-US" sz="2000" b="1" dirty="0">
+              <a:rPr lang="ko-KR" altLang="en-US" sz="1800" b="1" dirty="0">
                 <a:solidFill>
                   <a:srgbClr val="002060"/>
                 </a:solidFill>
@@ -3077,7 +3064,7 @@
               <a:t>뒤틀림</a:t>
             </a:r>
             <a:r>
-              <a:rPr lang="ko-KR" altLang="en-US" sz="2000" dirty="0">
+              <a:rPr lang="ko-KR" altLang="en-US" sz="1800" dirty="0">
                 <a:solidFill>
                   <a:schemeClr val="tx1">
                     <a:lumMod val="85000"/>
@@ -3087,7 +3074,7 @@
               <a:t>의 </a:t>
             </a:r>
             <a:r>
-              <a:rPr lang="ko-KR" altLang="en-US" sz="2000" b="1" dirty="0">
+              <a:rPr lang="ko-KR" altLang="en-US" sz="1800" b="1" dirty="0">
                 <a:solidFill>
                   <a:srgbClr val="002060"/>
                 </a:solidFill>
@@ -3095,7 +3082,7 @@
               <a:t>작업선호도</a:t>
             </a:r>
             <a:r>
-              <a:rPr lang="ko-KR" altLang="en-US" sz="2000" dirty="0">
+              <a:rPr lang="ko-KR" altLang="en-US" sz="1800" dirty="0">
                 <a:solidFill>
                   <a:schemeClr val="tx1">
                     <a:lumMod val="85000"/>
@@ -3105,7 +3092,7 @@
               <a:t>를 추가 </a:t>
             </a:r>
             <a:r>
-              <a:rPr lang="ko-KR" altLang="en-US" sz="2000" b="1" dirty="0">
+              <a:rPr lang="ko-KR" altLang="en-US" sz="1800" b="1" dirty="0">
                 <a:solidFill>
                   <a:srgbClr val="002060"/>
                 </a:solidFill>
@@ -3113,7 +3100,7 @@
               <a:t>보정치</a:t>
             </a:r>
             <a:r>
-              <a:rPr lang="ko-KR" altLang="en-US" sz="2000" dirty="0">
+              <a:rPr lang="ko-KR" altLang="en-US" sz="1800" dirty="0">
                 <a:solidFill>
                   <a:schemeClr val="tx1">
                     <a:lumMod val="85000"/>
@@ -3123,7 +3110,7 @@
               <a:t>로 받는 </a:t>
             </a:r>
             <a:r>
-              <a:rPr lang="ko-KR" altLang="en-US" sz="2000" b="1" dirty="0">
+              <a:rPr lang="ko-KR" altLang="en-US" sz="1800" b="1" dirty="0">
                 <a:solidFill>
                   <a:srgbClr val="002060"/>
                 </a:solidFill>
@@ -3131,7 +3118,7 @@
               <a:t>도전</a:t>
             </a:r>
             <a:r>
-              <a:rPr lang="en-US" altLang="ko-KR" sz="2000" dirty="0">
+              <a:rPr lang="en-US" altLang="ko-KR" sz="1800" dirty="0">
                 <a:solidFill>
                   <a:schemeClr val="tx1">
                     <a:lumMod val="85000"/>
@@ -3141,7 +3128,7 @@
               <a:t>,</a:t>
             </a:r>
             <a:br>
-              <a:rPr lang="en-US" altLang="ko-KR" sz="2000" dirty="0">
+              <a:rPr lang="en-US" altLang="ko-KR" sz="1800" dirty="0">
                 <a:solidFill>
                   <a:schemeClr val="tx1">
                     <a:lumMod val="85000"/>
@@ -3150,7 +3137,7 @@
               </a:rPr>
             </a:br>
             <a:r>
-              <a:rPr lang="ko-KR" altLang="en-US" sz="2000" dirty="0">
+              <a:rPr lang="ko-KR" altLang="en-US" sz="1800" dirty="0">
                 <a:solidFill>
                   <a:schemeClr val="tx1">
                     <a:lumMod val="85000"/>
@@ -3160,15 +3147,15 @@
               <a:t>아래 표만큼 </a:t>
             </a:r>
             <a:r>
-              <a:rPr lang="ko-KR" altLang="en-US" sz="2000" b="1" dirty="0">
+              <a:rPr lang="ko-KR" altLang="en-US" sz="1800" b="1" dirty="0">
                 <a:solidFill>
                   <a:srgbClr val="002060"/>
                 </a:solidFill>
               </a:rPr>
-              <a:t>작업</a:t>
-            </a:r>
-            <a:r>
-              <a:rPr lang="ko-KR" altLang="en-US" sz="2000" dirty="0">
+              <a:t>도전</a:t>
+            </a:r>
+            <a:r>
+              <a:rPr lang="ko-KR" altLang="en-US" sz="1800" dirty="0">
                 <a:solidFill>
                   <a:schemeClr val="tx1">
                     <a:lumMod val="85000"/>
@@ -3178,7 +3165,7 @@
               <a:t>을 하여 </a:t>
             </a:r>
             <a:r>
-              <a:rPr lang="ko-KR" altLang="en-US" sz="2000" b="1" dirty="0">
+              <a:rPr lang="ko-KR" altLang="en-US" sz="1800" b="1" dirty="0">
                 <a:solidFill>
                   <a:srgbClr val="002060"/>
                 </a:solidFill>
@@ -3186,7 +3173,7 @@
               <a:t>종합결과</a:t>
             </a:r>
             <a:r>
-              <a:rPr lang="ko-KR" altLang="en-US" sz="2000" dirty="0">
+              <a:rPr lang="ko-KR" altLang="en-US" sz="1800" dirty="0">
                 <a:solidFill>
                   <a:schemeClr val="tx1">
                     <a:lumMod val="85000"/>
@@ -3195,7 +3182,7 @@
               </a:rPr>
               <a:t>를 정함 </a:t>
             </a:r>
-            <a:endParaRPr lang="en-US" altLang="ko-KR" sz="2000" dirty="0">
+            <a:endParaRPr lang="en-US" altLang="ko-KR" sz="1800" dirty="0">
               <a:solidFill>
                 <a:schemeClr val="tx1">
                   <a:lumMod val="85000"/>
@@ -3834,7 +3821,7 @@
         <p:spPr>
           <a:xfrm>
             <a:off x="5931524" y="2426443"/>
-            <a:ext cx="5388402" cy="369332"/>
+            <a:ext cx="5388402" cy="338554"/>
           </a:xfrm>
           <a:prstGeom prst="rect">
             <a:avLst/>
@@ -3849,15 +3836,15 @@
           <a:p>
             <a:pPr algn="ctr"/>
             <a:r>
-              <a:rPr lang="ko-KR" altLang="en-US" b="1" dirty="0">
+              <a:rPr lang="ko-KR" altLang="en-US" sz="1600" b="1" dirty="0">
                 <a:solidFill>
                   <a:srgbClr val="002060"/>
                 </a:solidFill>
               </a:rPr>
-              <a:t>작업</a:t>
-            </a:r>
-            <a:r>
-              <a:rPr lang="ko-KR" altLang="en-US" sz="1800" dirty="0">
+              <a:t>도전</a:t>
+            </a:r>
+            <a:r>
+              <a:rPr lang="ko-KR" altLang="en-US" sz="1600" dirty="0">
                 <a:solidFill>
                   <a:schemeClr val="tx1">
                     <a:lumMod val="85000"/>
@@ -3867,7 +3854,7 @@
               <a:t>의 경우</a:t>
             </a:r>
             <a:r>
-              <a:rPr lang="en-US" altLang="ko-KR" sz="1800" dirty="0">
+              <a:rPr lang="en-US" altLang="ko-KR" sz="1600" dirty="0">
                 <a:solidFill>
                   <a:schemeClr val="tx1">
                     <a:lumMod val="85000"/>
@@ -3877,7 +3864,7 @@
               <a:t>, 6-</a:t>
             </a:r>
             <a:r>
-              <a:rPr lang="ko-KR" altLang="en-US" sz="1800" dirty="0">
+              <a:rPr lang="ko-KR" altLang="en-US" sz="1600" dirty="0">
                 <a:solidFill>
                   <a:schemeClr val="tx1">
                     <a:lumMod val="85000"/>
@@ -3887,7 +3874,7 @@
               <a:t> </a:t>
             </a:r>
             <a:r>
-              <a:rPr lang="en-US" altLang="ko-KR" sz="1800" dirty="0">
+              <a:rPr lang="en-US" altLang="ko-KR" sz="1600" dirty="0">
                 <a:solidFill>
                   <a:schemeClr val="tx1">
                     <a:lumMod val="85000"/>
@@ -3897,7 +3884,7 @@
               <a:t>: </a:t>
             </a:r>
             <a:r>
-              <a:rPr lang="ko-KR" altLang="en-US" sz="1800" dirty="0">
+              <a:rPr lang="ko-KR" altLang="en-US" sz="1600" dirty="0">
                 <a:solidFill>
                   <a:schemeClr val="tx1">
                     <a:lumMod val="85000"/>
@@ -3907,7 +3894,7 @@
               <a:t>나쁨</a:t>
             </a:r>
             <a:r>
-              <a:rPr lang="en-US" altLang="ko-KR" sz="1800" dirty="0">
+              <a:rPr lang="en-US" altLang="ko-KR" sz="1600" dirty="0">
                 <a:solidFill>
                   <a:schemeClr val="tx1">
                     <a:lumMod val="85000"/>
@@ -3917,7 +3904,7 @@
               <a:t>, 7~9 : </a:t>
             </a:r>
             <a:r>
-              <a:rPr lang="ko-KR" altLang="en-US" sz="1800" dirty="0">
+              <a:rPr lang="ko-KR" altLang="en-US" sz="1600" dirty="0">
                 <a:solidFill>
                   <a:schemeClr val="tx1">
                     <a:lumMod val="85000"/>
@@ -3927,7 +3914,7 @@
               <a:t>보통</a:t>
             </a:r>
             <a:r>
-              <a:rPr lang="en-US" altLang="ko-KR" sz="1800" dirty="0">
+              <a:rPr lang="en-US" altLang="ko-KR" sz="1600" dirty="0">
                 <a:solidFill>
                   <a:schemeClr val="tx1">
                     <a:lumMod val="85000"/>
@@ -3937,7 +3924,7 @@
               <a:t>, 10+ : </a:t>
             </a:r>
             <a:r>
-              <a:rPr lang="ko-KR" altLang="en-US" sz="1800" dirty="0">
+              <a:rPr lang="ko-KR" altLang="en-US" sz="1600" dirty="0">
                 <a:solidFill>
                   <a:schemeClr val="tx1">
                     <a:lumMod val="85000"/>
@@ -3946,7 +3933,7 @@
               </a:rPr>
               <a:t>좋음</a:t>
             </a:r>
-            <a:endParaRPr lang="en-US" altLang="ko-KR" sz="1800" dirty="0">
+            <a:endParaRPr lang="en-US" altLang="ko-KR" sz="1600" dirty="0">
               <a:solidFill>
                 <a:schemeClr val="tx1">
                   <a:lumMod val="85000"/>
@@ -3971,7 +3958,7 @@
         <p:spPr>
           <a:xfrm>
             <a:off x="5465850" y="2742867"/>
-            <a:ext cx="6319750" cy="646331"/>
+            <a:ext cx="6319750" cy="584775"/>
           </a:xfrm>
           <a:prstGeom prst="rect">
             <a:avLst/>
@@ -3986,7 +3973,7 @@
           <a:p>
             <a:pPr algn="ctr"/>
             <a:r>
-              <a:rPr lang="ko-KR" altLang="en-US" sz="1800" dirty="0">
+              <a:rPr lang="ko-KR" altLang="en-US" sz="1600" dirty="0">
                 <a:solidFill>
                   <a:schemeClr val="tx1">
                     <a:lumMod val="85000"/>
@@ -3996,7 +3983,7 @@
               <a:t>나쁨 </a:t>
             </a:r>
             <a:r>
-              <a:rPr lang="en-US" altLang="ko-KR" sz="1800" dirty="0">
+              <a:rPr lang="en-US" altLang="ko-KR" sz="1600" dirty="0">
                 <a:solidFill>
                   <a:schemeClr val="tx1">
                     <a:lumMod val="85000"/>
@@ -4006,7 +3993,7 @@
               <a:t>= 1, </a:t>
             </a:r>
             <a:r>
-              <a:rPr lang="ko-KR" altLang="en-US" sz="1800" dirty="0">
+              <a:rPr lang="ko-KR" altLang="en-US" sz="1600" dirty="0">
                 <a:solidFill>
                   <a:schemeClr val="tx1">
                     <a:lumMod val="85000"/>
@@ -4016,7 +4003,7 @@
               <a:t>보통 </a:t>
             </a:r>
             <a:r>
-              <a:rPr lang="en-US" altLang="ko-KR" sz="1800" dirty="0">
+              <a:rPr lang="en-US" altLang="ko-KR" sz="1600" dirty="0">
                 <a:solidFill>
                   <a:schemeClr val="tx1">
                     <a:lumMod val="85000"/>
@@ -4026,7 +4013,7 @@
               <a:t>=2, </a:t>
             </a:r>
             <a:r>
-              <a:rPr lang="ko-KR" altLang="en-US" dirty="0">
+              <a:rPr lang="ko-KR" altLang="en-US" sz="1600" dirty="0">
                 <a:solidFill>
                   <a:schemeClr val="tx1">
                     <a:lumMod val="85000"/>
@@ -4036,7 +4023,7 @@
               <a:t>좋음 </a:t>
             </a:r>
             <a:r>
-              <a:rPr lang="en-US" altLang="ko-KR" dirty="0">
+              <a:rPr lang="en-US" altLang="ko-KR" sz="1600" dirty="0">
                 <a:solidFill>
                   <a:schemeClr val="tx1">
                     <a:lumMod val="85000"/>
@@ -4046,7 +4033,7 @@
               <a:t>= 3</a:t>
             </a:r>
             <a:r>
-              <a:rPr lang="ko-KR" altLang="en-US" dirty="0">
+              <a:rPr lang="ko-KR" altLang="en-US" sz="1600" dirty="0">
                 <a:solidFill>
                   <a:schemeClr val="tx1">
                     <a:lumMod val="85000"/>
@@ -4055,7 +4042,7 @@
               </a:rPr>
               <a:t>으로 계산하여</a:t>
             </a:r>
-            <a:endParaRPr lang="en-US" altLang="ko-KR" dirty="0">
+            <a:endParaRPr lang="en-US" altLang="ko-KR" sz="1600" dirty="0">
               <a:solidFill>
                 <a:schemeClr val="tx1">
                   <a:lumMod val="85000"/>
@@ -4066,27 +4053,17 @@
           <a:p>
             <a:pPr algn="ctr"/>
             <a:r>
-              <a:rPr lang="ko-KR" altLang="en-US" dirty="0">
-                <a:solidFill>
-                  <a:schemeClr val="tx1">
-                    <a:lumMod val="85000"/>
-                  </a:schemeClr>
-                </a:solidFill>
-              </a:rPr>
-              <a:t>합한 뒤 </a:t>
-            </a:r>
-            <a:r>
-              <a:rPr lang="ko-KR" altLang="en-US" sz="1800" dirty="0">
-                <a:solidFill>
-                  <a:schemeClr val="tx1">
-                    <a:lumMod val="85000"/>
-                  </a:schemeClr>
-                </a:solidFill>
-              </a:rPr>
-              <a:t>아래의 표에서 비교</a:t>
-            </a:r>
-            <a:r>
-              <a:rPr lang="en-US" altLang="ko-KR" sz="1800" dirty="0">
+              <a:rPr lang="ko-KR" altLang="en-US" sz="1600" dirty="0">
+                <a:solidFill>
+                  <a:schemeClr val="tx1">
+                    <a:lumMod val="85000"/>
+                  </a:schemeClr>
+                </a:solidFill>
+              </a:rPr>
+              <a:t>합한 뒤 아래의 표에서 비교</a:t>
+            </a:r>
+            <a:r>
+              <a:rPr lang="en-US" altLang="ko-KR" sz="1600" dirty="0">
                 <a:solidFill>
                   <a:schemeClr val="tx1">
                     <a:lumMod val="85000"/>
@@ -4110,11 +4087,17 @@
           <p:cNvGraphicFramePr>
             <a:graphicFrameLocks noGrp="1"/>
           </p:cNvGraphicFramePr>
-          <p:nvPr userDrawn="1"/>
+          <p:nvPr userDrawn="1">
+            <p:extLst>
+              <p:ext uri="{D42A27DB-BD31-4B8C-83A1-F6EECF244321}">
+                <p14:modId xmlns:p14="http://schemas.microsoft.com/office/powerpoint/2010/main" val="2434445535"/>
+              </p:ext>
+            </p:extLst>
+          </p:nvPr>
         </p:nvGraphicFramePr>
         <p:xfrm>
-          <a:off x="5294979" y="3623045"/>
-          <a:ext cx="6661493" cy="1581420"/>
+          <a:off x="5294979" y="4514619"/>
+          <a:ext cx="6661493" cy="1341220"/>
         </p:xfrm>
         <a:graphic>
           <a:graphicData uri="http://schemas.openxmlformats.org/drawingml/2006/table">
@@ -4180,7 +4163,7 @@
                   </a:extLst>
                 </a:gridCol>
               </a:tblGrid>
-              <a:tr h="280566">
+              <a:tr h="335305">
                 <a:tc>
                   <a:txBody>
                     <a:bodyPr/>
@@ -4327,7 +4310,7 @@
                   </a:ext>
                 </a:extLst>
               </a:tr>
-              <a:tr h="425540">
+              <a:tr h="335305">
                 <a:tc>
                   <a:txBody>
                     <a:bodyPr/>
@@ -4474,7 +4457,7 @@
                   </a:ext>
                 </a:extLst>
               </a:tr>
-              <a:tr h="425540">
+              <a:tr h="335305">
                 <a:tc>
                   <a:txBody>
                     <a:bodyPr/>
@@ -4600,7 +4583,7 @@
                   </a:ext>
                 </a:extLst>
               </a:tr>
-              <a:tr h="425540">
+              <a:tr h="335305">
                 <a:tc>
                   <a:txBody>
                     <a:bodyPr/>
@@ -4744,7 +4727,7 @@
         </p:nvSpPr>
         <p:spPr>
           <a:xfrm>
-            <a:off x="5436014" y="5457242"/>
+            <a:off x="5436014" y="5914370"/>
             <a:ext cx="6520458" cy="646331"/>
           </a:xfrm>
           <a:prstGeom prst="rect">
@@ -5093,6 +5076,323 @@
               <a:t>뒤틀림</a:t>
             </a:r>
             <a:endParaRPr lang="ko-KR" altLang="en-US" sz="4000" dirty="0"/>
+          </a:p>
+        </p:txBody>
+      </p:sp>
+      <p:sp>
+        <p:nvSpPr>
+          <p:cNvPr id="19" name="TextBox 18">
+            <a:extLst>
+              <a:ext uri="{FF2B5EF4-FFF2-40B4-BE49-F238E27FC236}">
+                <a16:creationId xmlns:a16="http://schemas.microsoft.com/office/drawing/2014/main" id="{FEAC1555-60B9-4A8B-A45E-9E079D49C7B3}"/>
+              </a:ext>
+            </a:extLst>
+          </p:cNvPr>
+          <p:cNvSpPr txBox="1"/>
+          <p:nvPr userDrawn="1"/>
+        </p:nvSpPr>
+        <p:spPr>
+          <a:xfrm>
+            <a:off x="5211850" y="3333751"/>
+            <a:ext cx="6827750" cy="1077218"/>
+          </a:xfrm>
+          <a:prstGeom prst="rect">
+            <a:avLst/>
+          </a:prstGeom>
+          <a:noFill/>
+        </p:spPr>
+        <p:txBody>
+          <a:bodyPr wrap="square">
+            <a:spAutoFit/>
+          </a:bodyPr>
+          <a:lstStyle/>
+          <a:p>
+            <a:pPr algn="ctr"/>
+            <a:r>
+              <a:rPr lang="ko-KR" altLang="en-US" sz="1600" dirty="0">
+                <a:solidFill>
+                  <a:schemeClr val="tx1">
+                    <a:lumMod val="85000"/>
+                  </a:schemeClr>
+                </a:solidFill>
+              </a:rPr>
+              <a:t>예를 들어 </a:t>
+            </a:r>
+            <a:r>
+              <a:rPr lang="en-US" altLang="ko-KR" sz="1600" dirty="0">
+                <a:solidFill>
+                  <a:schemeClr val="tx1">
+                    <a:lumMod val="85000"/>
+                  </a:schemeClr>
+                </a:solidFill>
+              </a:rPr>
+              <a:t>1</a:t>
+            </a:r>
+            <a:r>
+              <a:rPr lang="ko-KR" altLang="en-US" sz="1600" dirty="0">
+                <a:solidFill>
+                  <a:schemeClr val="tx1">
+                    <a:lumMod val="85000"/>
+                  </a:schemeClr>
+                </a:solidFill>
+              </a:rPr>
+              <a:t>등급 </a:t>
+            </a:r>
+            <a:r>
+              <a:rPr lang="ko-KR" altLang="en-US" sz="1600" b="1" dirty="0">
+                <a:solidFill>
+                  <a:srgbClr val="002060"/>
+                </a:solidFill>
+              </a:rPr>
+              <a:t>뒤틀림</a:t>
+            </a:r>
+            <a:r>
+              <a:rPr lang="ko-KR" altLang="en-US" sz="1600" dirty="0">
+                <a:solidFill>
+                  <a:schemeClr val="tx1">
+                    <a:lumMod val="85000"/>
+                  </a:schemeClr>
+                </a:solidFill>
+              </a:rPr>
+              <a:t>에 대한 </a:t>
+            </a:r>
+            <a:r>
+              <a:rPr lang="ko-KR" altLang="en-US" sz="1600" b="1" dirty="0">
+                <a:solidFill>
+                  <a:srgbClr val="002060"/>
+                </a:solidFill>
+              </a:rPr>
+              <a:t>작업</a:t>
+            </a:r>
+            <a:r>
+              <a:rPr lang="ko-KR" altLang="en-US" sz="1600" dirty="0">
+                <a:solidFill>
+                  <a:schemeClr val="tx1">
+                    <a:lumMod val="85000"/>
+                  </a:schemeClr>
+                </a:solidFill>
+              </a:rPr>
+              <a:t>은</a:t>
+            </a:r>
+            <a:r>
+              <a:rPr lang="en-US" altLang="ko-KR" sz="1600" dirty="0">
+                <a:solidFill>
+                  <a:schemeClr val="tx1">
+                    <a:lumMod val="85000"/>
+                  </a:schemeClr>
+                </a:solidFill>
+              </a:rPr>
+              <a:t>,</a:t>
+            </a:r>
+          </a:p>
+          <a:p>
+            <a:pPr algn="ctr"/>
+            <a:r>
+              <a:rPr lang="en-US" altLang="ko-KR" sz="1600" dirty="0">
+                <a:solidFill>
+                  <a:schemeClr val="tx1">
+                    <a:lumMod val="85000"/>
+                  </a:schemeClr>
+                </a:solidFill>
+              </a:rPr>
+              <a:t>“</a:t>
+            </a:r>
+            <a:r>
+              <a:rPr lang="ko-KR" altLang="en-US" sz="1600" b="1" dirty="0">
+                <a:solidFill>
+                  <a:schemeClr val="tx1">
+                    <a:lumMod val="85000"/>
+                  </a:schemeClr>
+                </a:solidFill>
+              </a:rPr>
+              <a:t>본능 </a:t>
+            </a:r>
+            <a:r>
+              <a:rPr lang="ko-KR" altLang="en-US" sz="1600" b="1" dirty="0" err="1">
+                <a:solidFill>
+                  <a:schemeClr val="tx1">
+                    <a:lumMod val="85000"/>
+                  </a:schemeClr>
+                </a:solidFill>
+              </a:rPr>
+              <a:t>도전</a:t>
+            </a:r>
+            <a:r>
+              <a:rPr lang="ko-KR" altLang="en-US" sz="1600" dirty="0" err="1">
+                <a:solidFill>
+                  <a:schemeClr val="tx1">
+                    <a:lumMod val="85000"/>
+                  </a:schemeClr>
+                </a:solidFill>
+              </a:rPr>
+              <a:t>→</a:t>
+            </a:r>
+            <a:r>
+              <a:rPr lang="ko-KR" altLang="en-US" sz="1600" b="1" dirty="0" err="1">
+                <a:solidFill>
+                  <a:schemeClr val="tx1">
+                    <a:lumMod val="85000"/>
+                  </a:schemeClr>
+                </a:solidFill>
+              </a:rPr>
+              <a:t>정의</a:t>
+            </a:r>
+            <a:r>
+              <a:rPr lang="ko-KR" altLang="en-US" sz="1600" b="1" dirty="0">
+                <a:solidFill>
+                  <a:schemeClr val="tx1">
+                    <a:lumMod val="85000"/>
+                  </a:schemeClr>
+                </a:solidFill>
+              </a:rPr>
+              <a:t> 도전</a:t>
+            </a:r>
+            <a:r>
+              <a:rPr lang="en-US" altLang="ko-KR" sz="1600" dirty="0">
+                <a:solidFill>
+                  <a:schemeClr val="tx1">
+                    <a:lumMod val="85000"/>
+                  </a:schemeClr>
+                </a:solidFill>
+              </a:rPr>
+              <a:t>-&gt;</a:t>
+            </a:r>
+            <a:r>
+              <a:rPr lang="ko-KR" altLang="en-US" sz="1600" b="1" dirty="0">
+                <a:solidFill>
+                  <a:schemeClr val="tx1">
+                    <a:lumMod val="85000"/>
+                  </a:schemeClr>
+                </a:solidFill>
+              </a:rPr>
+              <a:t>절제 도전</a:t>
+            </a:r>
+            <a:r>
+              <a:rPr lang="en-US" altLang="ko-KR" sz="1600" dirty="0">
+                <a:solidFill>
+                  <a:schemeClr val="tx1">
+                    <a:lumMod val="85000"/>
+                  </a:schemeClr>
+                </a:solidFill>
+              </a:rPr>
+              <a:t>-&gt;</a:t>
+            </a:r>
+            <a:r>
+              <a:rPr lang="ko-KR" altLang="en-US" sz="1600" b="1" dirty="0">
+                <a:solidFill>
+                  <a:schemeClr val="tx1">
+                    <a:lumMod val="85000"/>
+                  </a:schemeClr>
+                </a:solidFill>
+              </a:rPr>
+              <a:t>본능 도전</a:t>
+            </a:r>
+            <a:r>
+              <a:rPr lang="ko-KR" altLang="en-US" sz="1600" dirty="0">
+                <a:solidFill>
+                  <a:schemeClr val="tx1">
+                    <a:lumMod val="85000"/>
+                  </a:schemeClr>
+                </a:solidFill>
+              </a:rPr>
+              <a:t>” 같은 형태로 진행됨</a:t>
+            </a:r>
+            <a:r>
+              <a:rPr lang="en-US" altLang="ko-KR" sz="1600" dirty="0">
+                <a:solidFill>
+                  <a:schemeClr val="tx1">
+                    <a:lumMod val="85000"/>
+                  </a:schemeClr>
+                </a:solidFill>
+              </a:rPr>
+              <a:t>.</a:t>
+            </a:r>
+          </a:p>
+          <a:p>
+            <a:pPr algn="ctr"/>
+            <a:endParaRPr lang="en-US" altLang="ko-KR" sz="1600" dirty="0">
+              <a:solidFill>
+                <a:schemeClr val="tx1">
+                  <a:lumMod val="85000"/>
+                </a:schemeClr>
+              </a:solidFill>
+            </a:endParaRPr>
+          </a:p>
+          <a:p>
+            <a:pPr algn="ctr"/>
+            <a:r>
+              <a:rPr lang="ko-KR" altLang="en-US" sz="1600" dirty="0">
+                <a:solidFill>
+                  <a:schemeClr val="tx1">
+                    <a:lumMod val="85000"/>
+                  </a:schemeClr>
+                </a:solidFill>
+              </a:rPr>
+              <a:t>각 </a:t>
+            </a:r>
+            <a:r>
+              <a:rPr lang="ko-KR" altLang="en-US" sz="1600" b="1" dirty="0">
+                <a:solidFill>
+                  <a:srgbClr val="002060"/>
+                </a:solidFill>
+              </a:rPr>
+              <a:t>도전</a:t>
+            </a:r>
+            <a:r>
+              <a:rPr lang="ko-KR" altLang="en-US" sz="1600" dirty="0">
+                <a:solidFill>
+                  <a:schemeClr val="tx1">
+                    <a:lumMod val="85000"/>
+                  </a:schemeClr>
+                </a:solidFill>
+              </a:rPr>
+              <a:t>이 실패할 시</a:t>
+            </a:r>
+            <a:r>
+              <a:rPr lang="en-US" altLang="ko-KR" sz="1600" dirty="0">
+                <a:solidFill>
+                  <a:schemeClr val="tx1">
+                    <a:lumMod val="85000"/>
+                  </a:schemeClr>
+                </a:solidFill>
+              </a:rPr>
+              <a:t>, </a:t>
+            </a:r>
+            <a:r>
+              <a:rPr lang="ko-KR" altLang="en-US" sz="1600" b="1" dirty="0" err="1">
+                <a:solidFill>
+                  <a:srgbClr val="002060"/>
+                </a:solidFill>
+              </a:rPr>
+              <a:t>뒤틀림</a:t>
+            </a:r>
+            <a:r>
+              <a:rPr lang="ko-KR" altLang="en-US" sz="1600" dirty="0" err="1">
+                <a:solidFill>
+                  <a:schemeClr val="tx1">
+                    <a:lumMod val="85000"/>
+                  </a:schemeClr>
+                </a:solidFill>
+              </a:rPr>
+              <a:t>으로부터</a:t>
+            </a:r>
+            <a:r>
+              <a:rPr lang="ko-KR" altLang="en-US" sz="1600" dirty="0">
+                <a:solidFill>
+                  <a:schemeClr val="tx1">
+                    <a:lumMod val="85000"/>
+                  </a:schemeClr>
+                </a:solidFill>
+              </a:rPr>
+              <a:t> 피할 수 없는 공격을 받음</a:t>
+            </a:r>
+            <a:endParaRPr lang="en-US" altLang="ko-KR" sz="1600" dirty="0">
+              <a:solidFill>
+                <a:schemeClr val="tx1">
+                  <a:lumMod val="85000"/>
+                </a:schemeClr>
+              </a:solidFill>
+            </a:endParaRPr>
           </a:p>
         </p:txBody>
       </p:sp>
@@ -7254,7 +7554,7 @@
           <p:nvPr userDrawn="1">
             <p:extLst>
               <p:ext uri="{D42A27DB-BD31-4B8C-83A1-F6EECF244321}">
-                <p14:modId xmlns:p14="http://schemas.microsoft.com/office/powerpoint/2010/main" val="3010994888"/>
+                <p14:modId xmlns:p14="http://schemas.microsoft.com/office/powerpoint/2010/main" val="2771484441"/>
               </p:ext>
             </p:extLst>
           </p:nvPr>
@@ -7329,7 +7629,7 @@
                       <a:pPr algn="ctr" latinLnBrk="1"/>
                       <a:r>
                         <a:rPr lang="en-US" altLang="ko-KR" sz="1400" dirty="0"/>
-                        <a:t>0~6</a:t>
+                        <a:t>0~5</a:t>
                       </a:r>
                       <a:endParaRPr lang="ko-KR" altLang="en-US" sz="1400" dirty="0"/>
                     </a:p>
@@ -7344,7 +7644,7 @@
                       <a:pPr algn="ctr" latinLnBrk="1"/>
                       <a:r>
                         <a:rPr lang="en-US" altLang="ko-KR" sz="1400" dirty="0"/>
-                        <a:t>7~12</a:t>
+                        <a:t>6~11</a:t>
                       </a:r>
                       <a:endParaRPr lang="ko-KR" altLang="en-US" sz="1400" dirty="0"/>
                     </a:p>
@@ -7359,7 +7659,7 @@
                       <a:pPr algn="ctr" latinLnBrk="1"/>
                       <a:r>
                         <a:rPr lang="en-US" altLang="ko-KR" sz="1400" dirty="0"/>
-                        <a:t>13~18</a:t>
+                        <a:t>12~17</a:t>
                       </a:r>
                       <a:endParaRPr lang="ko-KR" altLang="en-US" sz="1400" dirty="0"/>
                     </a:p>
@@ -7374,7 +7674,7 @@
                       <a:pPr algn="ctr" latinLnBrk="1"/>
                       <a:r>
                         <a:rPr lang="en-US" altLang="ko-KR" sz="1400" dirty="0"/>
-                        <a:t>19~24</a:t>
+                        <a:t>18~23</a:t>
                       </a:r>
                       <a:endParaRPr lang="ko-KR" altLang="en-US" sz="1400" dirty="0"/>
                     </a:p>
@@ -7389,7 +7689,7 @@
                       <a:pPr algn="ctr" latinLnBrk="1"/>
                       <a:r>
                         <a:rPr lang="en-US" altLang="ko-KR" sz="1400" dirty="0"/>
-                        <a:t>25~30</a:t>
+                        <a:t>24~29</a:t>
                       </a:r>
                       <a:endParaRPr lang="ko-KR" altLang="en-US" sz="1400" dirty="0"/>
                     </a:p>
@@ -7404,7 +7704,7 @@
                       <a:pPr algn="ctr" latinLnBrk="1"/>
                       <a:r>
                         <a:rPr lang="en-US" altLang="ko-KR" sz="1400" dirty="0"/>
-                        <a:t>30~36</a:t>
+                        <a:t>30~35</a:t>
                       </a:r>
                       <a:endParaRPr lang="ko-KR" altLang="en-US" sz="1400" dirty="0"/>
                     </a:p>
@@ -18312,20 +18612,7 @@
       <p:bgPr>
         <a:blipFill dpi="0" rotWithShape="1">
           <a:blip r:embed="rId2">
-            <a:extLst>
-              <a:ext uri="{BEBA8EAE-BF5A-486C-A8C5-ECC9F3942E4B}">
-                <a14:imgProps xmlns:a14="http://schemas.microsoft.com/office/drawing/2010/main">
-                  <a14:imgLayer r:embed="rId3">
-                    <a14:imgEffect>
-                      <a14:sharpenSoften amount="-50000"/>
-                    </a14:imgEffect>
-                    <a14:imgEffect>
-                      <a14:brightnessContrast contrast="-20000"/>
-                    </a14:imgEffect>
-                  </a14:imgLayer>
-                </a14:imgProps>
-              </a:ext>
-            </a:extLst>
+            <a:lum/>
           </a:blip>
           <a:srcRect/>
           <a:stretch>
@@ -29808,7 +30095,7 @@
           <a:p>
             <a:fld id="{E82905C0-181C-4758-B521-0A1AC33AF7B8}" type="datetime1">
               <a:rPr lang="ko-KR" altLang="en-US" smtClean="0"/>
-              <a:t>2021-04-15</a:t>
+              <a:t>2021-04-29</a:t>
             </a:fld>
             <a:endParaRPr lang="ko-KR" altLang="en-US" dirty="0"/>
           </a:p>
@@ -34918,12 +35205,6 @@
 </file>
 
 <file path=customXml/item1.xml><?xml version="1.0" encoding="utf-8"?>
-<p:properties xmlns:p="http://schemas.microsoft.com/office/2006/metadata/properties" xmlns:xsi="http://www.w3.org/2001/XMLSchema-instance" xmlns:pc="http://schemas.microsoft.com/office/infopath/2007/PartnerControls">
-  <documentManagement/>
-</p:properties>
-</file>
-
-<file path=customXml/item2.xml><?xml version="1.0" encoding="utf-8"?>
 <ct:contentTypeSchema xmlns:ct="http://schemas.microsoft.com/office/2006/metadata/contentType" xmlns:ma="http://schemas.microsoft.com/office/2006/metadata/properties/metaAttributes" ct:_="" ma:_="" ma:contentTypeName="문서" ma:contentTypeID="0x01010038A2978751EA5A4A99CEF53FA84AA0A5" ma:contentTypeVersion="2" ma:contentTypeDescription="새 문서를 만듭니다." ma:contentTypeScope="" ma:versionID="5044ddbd44a18a5bd88835d5524c1c39">
   <xsd:schema xmlns:xsd="http://www.w3.org/2001/XMLSchema" xmlns:xs="http://www.w3.org/2001/XMLSchema" xmlns:p="http://schemas.microsoft.com/office/2006/metadata/properties" xmlns:ns3="7a556669-b9f6-4696-b260-7ff151b9728a" targetNamespace="http://schemas.microsoft.com/office/2006/metadata/properties" ma:root="true" ma:fieldsID="b36c7ebe3901b1fbeb3dc0faabb5792e" ns3:_="">
     <xsd:import namespace="7a556669-b9f6-4696-b260-7ff151b9728a"/>
@@ -35055,6 +35336,12 @@
 </ct:contentTypeSchema>
 </file>
 
+<file path=customXml/item2.xml><?xml version="1.0" encoding="utf-8"?>
+<p:properties xmlns:p="http://schemas.microsoft.com/office/2006/metadata/properties" xmlns:xsi="http://www.w3.org/2001/XMLSchema-instance" xmlns:pc="http://schemas.microsoft.com/office/infopath/2007/PartnerControls">
+  <documentManagement/>
+</p:properties>
+</file>
+
 <file path=customXml/item3.xml><?xml version="1.0" encoding="utf-8"?>
 <?mso-contentType ?>
 <FormTemplates xmlns="http://schemas.microsoft.com/sharepoint/v3/contenttype/forms">
@@ -35065,22 +35352,6 @@
 </file>
 
 <file path=customXml/itemProps1.xml><?xml version="1.0" encoding="utf-8"?>
-<ds:datastoreItem xmlns:ds="http://schemas.openxmlformats.org/officeDocument/2006/customXml" ds:itemID="{F3FC7834-CB9D-4A31-B6BC-AEB80B85DAE3}">
-  <ds:schemaRefs>
-    <ds:schemaRef ds:uri="http://purl.org/dc/elements/1.1/"/>
-    <ds:schemaRef ds:uri="http://schemas.microsoft.com/office/infopath/2007/PartnerControls"/>
-    <ds:schemaRef ds:uri="http://purl.org/dc/dcmitype/"/>
-    <ds:schemaRef ds:uri="http://schemas.microsoft.com/office/2006/metadata/properties"/>
-    <ds:schemaRef ds:uri="7a556669-b9f6-4696-b260-7ff151b9728a"/>
-    <ds:schemaRef ds:uri="http://schemas.microsoft.com/office/2006/documentManagement/types"/>
-    <ds:schemaRef ds:uri="http://www.w3.org/XML/1998/namespace"/>
-    <ds:schemaRef ds:uri="http://schemas.openxmlformats.org/package/2006/metadata/core-properties"/>
-    <ds:schemaRef ds:uri="http://purl.org/dc/terms/"/>
-  </ds:schemaRefs>
-</ds:datastoreItem>
-</file>
-
-<file path=customXml/itemProps2.xml><?xml version="1.0" encoding="utf-8"?>
 <ds:datastoreItem xmlns:ds="http://schemas.openxmlformats.org/officeDocument/2006/customXml" ds:itemID="{5401EE66-E567-4FF3-B240-580A578BE0D0}">
   <ds:schemaRefs>
     <ds:schemaRef ds:uri="http://schemas.microsoft.com/office/2006/metadata/contentType"/>
@@ -35098,6 +35369,22 @@
 </ds:datastoreItem>
 </file>
 
+<file path=customXml/itemProps2.xml><?xml version="1.0" encoding="utf-8"?>
+<ds:datastoreItem xmlns:ds="http://schemas.openxmlformats.org/officeDocument/2006/customXml" ds:itemID="{F3FC7834-CB9D-4A31-B6BC-AEB80B85DAE3}">
+  <ds:schemaRefs>
+    <ds:schemaRef ds:uri="http://purl.org/dc/elements/1.1/"/>
+    <ds:schemaRef ds:uri="http://schemas.microsoft.com/office/infopath/2007/PartnerControls"/>
+    <ds:schemaRef ds:uri="http://purl.org/dc/dcmitype/"/>
+    <ds:schemaRef ds:uri="http://schemas.microsoft.com/office/2006/metadata/properties"/>
+    <ds:schemaRef ds:uri="7a556669-b9f6-4696-b260-7ff151b9728a"/>
+    <ds:schemaRef ds:uri="http://schemas.microsoft.com/office/2006/documentManagement/types"/>
+    <ds:schemaRef ds:uri="http://www.w3.org/XML/1998/namespace"/>
+    <ds:schemaRef ds:uri="http://schemas.openxmlformats.org/package/2006/metadata/core-properties"/>
+    <ds:schemaRef ds:uri="http://purl.org/dc/terms/"/>
+  </ds:schemaRefs>
+</ds:datastoreItem>
+</file>
+
 <file path=customXml/itemProps3.xml><?xml version="1.0" encoding="utf-8"?>
 <ds:datastoreItem xmlns:ds="http://schemas.openxmlformats.org/officeDocument/2006/customXml" ds:itemID="{58B6FD7C-6D9F-4A7E-AE56-6E092CF6CBA3}">
   <ds:schemaRefs>
